--- a/assig23/finalabstractpresentation.pptx
+++ b/assig23/finalabstractpresentation.pptx
@@ -4,18 +4,25 @@
   <p:sldMasterIdLst>
     <p:sldMasterId id="2147483654" r:id="rId1"/>
     <p:sldMasterId id="2147483655" r:id="rId2"/>
+    <p:sldMasterId id="2147483662" r:id="rId3"/>
   </p:sldMasterIdLst>
   <p:notesMasterIdLst>
-    <p:notesMasterId r:id="rId10"/>
+    <p:notesMasterId r:id="rId17"/>
   </p:notesMasterIdLst>
   <p:sldIdLst>
-    <p:sldId id="256" r:id="rId3"/>
-    <p:sldId id="257" r:id="rId4"/>
-    <p:sldId id="258" r:id="rId5"/>
-    <p:sldId id="259" r:id="rId6"/>
-    <p:sldId id="260" r:id="rId7"/>
-    <p:sldId id="261" r:id="rId8"/>
-    <p:sldId id="262" r:id="rId9"/>
+    <p:sldId id="256" r:id="rId4"/>
+    <p:sldId id="257" r:id="rId5"/>
+    <p:sldId id="258" r:id="rId6"/>
+    <p:sldId id="259" r:id="rId7"/>
+    <p:sldId id="260" r:id="rId8"/>
+    <p:sldId id="261" r:id="rId9"/>
+    <p:sldId id="262" r:id="rId10"/>
+    <p:sldId id="263" r:id="rId11"/>
+    <p:sldId id="264" r:id="rId12"/>
+    <p:sldId id="265" r:id="rId13"/>
+    <p:sldId id="266" r:id="rId14"/>
+    <p:sldId id="267" r:id="rId15"/>
+    <p:sldId id="268" r:id="rId16"/>
   </p:sldIdLst>
   <p:sldSz cx="9144000" cy="5143500" type="screen16x9"/>
   <p:notesSz cx="6858000" cy="9144000"/>
@@ -604,6 +611,450 @@
         <p14:creationId xmlns:p14="http://schemas.microsoft.com/office/powerpoint/2010/main" val="2563737466"/>
       </p:ext>
     </p:extLst>
+  </p:cSld>
+  <p:clrMapOvr>
+    <a:masterClrMapping/>
+  </p:clrMapOvr>
+</p:notes>
+</file>
+
+<file path=ppt/notesSlides/notesSlide10.xml><?xml version="1.0" encoding="utf-8"?>
+<p:notes xmlns:a="http://schemas.openxmlformats.org/drawingml/2006/main" xmlns:r="http://schemas.openxmlformats.org/officeDocument/2006/relationships" xmlns:p="http://schemas.openxmlformats.org/presentationml/2006/main" showMasterSp="0" showMasterPhAnim="0">
+  <p:cSld>
+    <p:spTree>
+      <p:nvGrpSpPr>
+        <p:cNvPr id="1" name="Shape 44"/>
+        <p:cNvGrpSpPr/>
+        <p:nvPr/>
+      </p:nvGrpSpPr>
+      <p:grpSpPr>
+        <a:xfrm>
+          <a:off x="0" y="0"/>
+          <a:ext cx="0" cy="0"/>
+          <a:chOff x="0" y="0"/>
+          <a:chExt cx="0" cy="0"/>
+        </a:xfrm>
+      </p:grpSpPr>
+      <p:sp>
+        <p:nvSpPr>
+          <p:cNvPr id="45" name="Shape 45"/>
+          <p:cNvSpPr>
+            <a:spLocks noGrp="1" noRot="1" noChangeAspect="1"/>
+          </p:cNvSpPr>
+          <p:nvPr>
+            <p:ph type="sldImg" idx="2"/>
+          </p:nvPr>
+        </p:nvSpPr>
+        <p:spPr>
+          <a:xfrm>
+            <a:off x="381000" y="685800"/>
+            <a:ext cx="6096000" cy="3429000"/>
+          </a:xfrm>
+          <a:custGeom>
+            <a:avLst/>
+            <a:gdLst/>
+            <a:ahLst/>
+            <a:cxnLst/>
+            <a:rect l="0" t="0" r="0" b="0"/>
+            <a:pathLst>
+              <a:path w="120000" h="120000" extrusionOk="0">
+                <a:moveTo>
+                  <a:pt x="0" y="0"/>
+                </a:moveTo>
+                <a:lnTo>
+                  <a:pt x="120000" y="0"/>
+                </a:lnTo>
+                <a:lnTo>
+                  <a:pt x="120000" y="120000"/>
+                </a:lnTo>
+                <a:lnTo>
+                  <a:pt x="0" y="120000"/>
+                </a:lnTo>
+                <a:close/>
+              </a:path>
+            </a:pathLst>
+          </a:custGeom>
+          <a:noFill/>
+          <a:ln w="9525" cap="flat">
+            <a:solidFill>
+              <a:srgbClr val="000000"/>
+            </a:solidFill>
+            <a:prstDash val="solid"/>
+            <a:round/>
+            <a:headEnd type="none" w="med" len="med"/>
+            <a:tailEnd type="none" w="med" len="med"/>
+          </a:ln>
+        </p:spPr>
+      </p:sp>
+      <p:sp>
+        <p:nvSpPr>
+          <p:cNvPr id="46" name="Shape 46"/>
+          <p:cNvSpPr txBox="1">
+            <a:spLocks noGrp="1"/>
+          </p:cNvSpPr>
+          <p:nvPr>
+            <p:ph type="body" idx="1"/>
+          </p:nvPr>
+        </p:nvSpPr>
+        <p:spPr>
+          <a:xfrm>
+            <a:off x="685800" y="4343400"/>
+            <a:ext cx="5486399" cy="4114800"/>
+          </a:xfrm>
+          <a:prstGeom prst="rect">
+            <a:avLst/>
+          </a:prstGeom>
+        </p:spPr>
+        <p:txBody>
+          <a:bodyPr lIns="91425" tIns="91425" rIns="91425" bIns="91425" anchor="t" anchorCtr="0">
+            <a:noAutofit/>
+          </a:bodyPr>
+          <a:lstStyle/>
+          <a:p>
+            <a:pPr>
+              <a:spcBef>
+                <a:spcPts val="0"/>
+              </a:spcBef>
+              <a:buNone/>
+            </a:pPr>
+            <a:endParaRPr/>
+          </a:p>
+        </p:txBody>
+      </p:sp>
+    </p:spTree>
+  </p:cSld>
+  <p:clrMapOvr>
+    <a:masterClrMapping/>
+  </p:clrMapOvr>
+</p:notes>
+</file>
+
+<file path=ppt/notesSlides/notesSlide11.xml><?xml version="1.0" encoding="utf-8"?>
+<p:notes xmlns:a="http://schemas.openxmlformats.org/drawingml/2006/main" xmlns:r="http://schemas.openxmlformats.org/officeDocument/2006/relationships" xmlns:p="http://schemas.openxmlformats.org/presentationml/2006/main" showMasterSp="0" showMasterPhAnim="0">
+  <p:cSld>
+    <p:spTree>
+      <p:nvGrpSpPr>
+        <p:cNvPr id="1" name="Shape 50"/>
+        <p:cNvGrpSpPr/>
+        <p:nvPr/>
+      </p:nvGrpSpPr>
+      <p:grpSpPr>
+        <a:xfrm>
+          <a:off x="0" y="0"/>
+          <a:ext cx="0" cy="0"/>
+          <a:chOff x="0" y="0"/>
+          <a:chExt cx="0" cy="0"/>
+        </a:xfrm>
+      </p:grpSpPr>
+      <p:sp>
+        <p:nvSpPr>
+          <p:cNvPr id="51" name="Shape 51"/>
+          <p:cNvSpPr>
+            <a:spLocks noGrp="1" noRot="1" noChangeAspect="1"/>
+          </p:cNvSpPr>
+          <p:nvPr>
+            <p:ph type="sldImg" idx="2"/>
+          </p:nvPr>
+        </p:nvSpPr>
+        <p:spPr>
+          <a:xfrm>
+            <a:off x="381000" y="685800"/>
+            <a:ext cx="6096000" cy="3429000"/>
+          </a:xfrm>
+          <a:custGeom>
+            <a:avLst/>
+            <a:gdLst/>
+            <a:ahLst/>
+            <a:cxnLst/>
+            <a:rect l="0" t="0" r="0" b="0"/>
+            <a:pathLst>
+              <a:path w="120000" h="120000" extrusionOk="0">
+                <a:moveTo>
+                  <a:pt x="0" y="0"/>
+                </a:moveTo>
+                <a:lnTo>
+                  <a:pt x="120000" y="0"/>
+                </a:lnTo>
+                <a:lnTo>
+                  <a:pt x="120000" y="120000"/>
+                </a:lnTo>
+                <a:lnTo>
+                  <a:pt x="0" y="120000"/>
+                </a:lnTo>
+                <a:close/>
+              </a:path>
+            </a:pathLst>
+          </a:custGeom>
+          <a:noFill/>
+          <a:ln w="9525" cap="flat">
+            <a:solidFill>
+              <a:srgbClr val="000000"/>
+            </a:solidFill>
+            <a:prstDash val="solid"/>
+            <a:round/>
+            <a:headEnd type="none" w="med" len="med"/>
+            <a:tailEnd type="none" w="med" len="med"/>
+          </a:ln>
+        </p:spPr>
+      </p:sp>
+      <p:sp>
+        <p:nvSpPr>
+          <p:cNvPr id="52" name="Shape 52"/>
+          <p:cNvSpPr txBox="1">
+            <a:spLocks noGrp="1"/>
+          </p:cNvSpPr>
+          <p:nvPr>
+            <p:ph type="body" idx="1"/>
+          </p:nvPr>
+        </p:nvSpPr>
+        <p:spPr>
+          <a:xfrm>
+            <a:off x="685800" y="4343400"/>
+            <a:ext cx="5486399" cy="4114800"/>
+          </a:xfrm>
+          <a:prstGeom prst="rect">
+            <a:avLst/>
+          </a:prstGeom>
+        </p:spPr>
+        <p:txBody>
+          <a:bodyPr lIns="91425" tIns="91425" rIns="91425" bIns="91425" anchor="t" anchorCtr="0">
+            <a:noAutofit/>
+          </a:bodyPr>
+          <a:lstStyle/>
+          <a:p>
+            <a:pPr>
+              <a:spcBef>
+                <a:spcPts val="0"/>
+              </a:spcBef>
+              <a:buNone/>
+            </a:pPr>
+            <a:endParaRPr/>
+          </a:p>
+        </p:txBody>
+      </p:sp>
+    </p:spTree>
+  </p:cSld>
+  <p:clrMapOvr>
+    <a:masterClrMapping/>
+  </p:clrMapOvr>
+</p:notes>
+</file>
+
+<file path=ppt/notesSlides/notesSlide12.xml><?xml version="1.0" encoding="utf-8"?>
+<p:notes xmlns:a="http://schemas.openxmlformats.org/drawingml/2006/main" xmlns:r="http://schemas.openxmlformats.org/officeDocument/2006/relationships" xmlns:p="http://schemas.openxmlformats.org/presentationml/2006/main" showMasterSp="0" showMasterPhAnim="0">
+  <p:cSld>
+    <p:spTree>
+      <p:nvGrpSpPr>
+        <p:cNvPr id="1" name="Shape 56"/>
+        <p:cNvGrpSpPr/>
+        <p:nvPr/>
+      </p:nvGrpSpPr>
+      <p:grpSpPr>
+        <a:xfrm>
+          <a:off x="0" y="0"/>
+          <a:ext cx="0" cy="0"/>
+          <a:chOff x="0" y="0"/>
+          <a:chExt cx="0" cy="0"/>
+        </a:xfrm>
+      </p:grpSpPr>
+      <p:sp>
+        <p:nvSpPr>
+          <p:cNvPr id="57" name="Shape 57"/>
+          <p:cNvSpPr>
+            <a:spLocks noGrp="1" noRot="1" noChangeAspect="1"/>
+          </p:cNvSpPr>
+          <p:nvPr>
+            <p:ph type="sldImg" idx="2"/>
+          </p:nvPr>
+        </p:nvSpPr>
+        <p:spPr>
+          <a:xfrm>
+            <a:off x="381000" y="685800"/>
+            <a:ext cx="6096000" cy="3429000"/>
+          </a:xfrm>
+          <a:custGeom>
+            <a:avLst/>
+            <a:gdLst/>
+            <a:ahLst/>
+            <a:cxnLst/>
+            <a:rect l="0" t="0" r="0" b="0"/>
+            <a:pathLst>
+              <a:path w="120000" h="120000" extrusionOk="0">
+                <a:moveTo>
+                  <a:pt x="0" y="0"/>
+                </a:moveTo>
+                <a:lnTo>
+                  <a:pt x="120000" y="0"/>
+                </a:lnTo>
+                <a:lnTo>
+                  <a:pt x="120000" y="120000"/>
+                </a:lnTo>
+                <a:lnTo>
+                  <a:pt x="0" y="120000"/>
+                </a:lnTo>
+                <a:close/>
+              </a:path>
+            </a:pathLst>
+          </a:custGeom>
+          <a:noFill/>
+          <a:ln w="9525" cap="flat">
+            <a:solidFill>
+              <a:srgbClr val="000000"/>
+            </a:solidFill>
+            <a:prstDash val="solid"/>
+            <a:round/>
+            <a:headEnd type="none" w="med" len="med"/>
+            <a:tailEnd type="none" w="med" len="med"/>
+          </a:ln>
+        </p:spPr>
+      </p:sp>
+      <p:sp>
+        <p:nvSpPr>
+          <p:cNvPr id="58" name="Shape 58"/>
+          <p:cNvSpPr txBox="1">
+            <a:spLocks noGrp="1"/>
+          </p:cNvSpPr>
+          <p:nvPr>
+            <p:ph type="body" idx="1"/>
+          </p:nvPr>
+        </p:nvSpPr>
+        <p:spPr>
+          <a:xfrm>
+            <a:off x="685800" y="4343400"/>
+            <a:ext cx="5486399" cy="4114800"/>
+          </a:xfrm>
+          <a:prstGeom prst="rect">
+            <a:avLst/>
+          </a:prstGeom>
+        </p:spPr>
+        <p:txBody>
+          <a:bodyPr lIns="91425" tIns="91425" rIns="91425" bIns="91425" anchor="t" anchorCtr="0">
+            <a:noAutofit/>
+          </a:bodyPr>
+          <a:lstStyle/>
+          <a:p>
+            <a:pPr>
+              <a:spcBef>
+                <a:spcPts val="0"/>
+              </a:spcBef>
+              <a:buNone/>
+            </a:pPr>
+            <a:endParaRPr/>
+          </a:p>
+        </p:txBody>
+      </p:sp>
+    </p:spTree>
+  </p:cSld>
+  <p:clrMapOvr>
+    <a:masterClrMapping/>
+  </p:clrMapOvr>
+</p:notes>
+</file>
+
+<file path=ppt/notesSlides/notesSlide13.xml><?xml version="1.0" encoding="utf-8"?>
+<p:notes xmlns:a="http://schemas.openxmlformats.org/drawingml/2006/main" xmlns:r="http://schemas.openxmlformats.org/officeDocument/2006/relationships" xmlns:p="http://schemas.openxmlformats.org/presentationml/2006/main" showMasterSp="0" showMasterPhAnim="0">
+  <p:cSld>
+    <p:spTree>
+      <p:nvGrpSpPr>
+        <p:cNvPr id="1" name="Shape 62"/>
+        <p:cNvGrpSpPr/>
+        <p:nvPr/>
+      </p:nvGrpSpPr>
+      <p:grpSpPr>
+        <a:xfrm>
+          <a:off x="0" y="0"/>
+          <a:ext cx="0" cy="0"/>
+          <a:chOff x="0" y="0"/>
+          <a:chExt cx="0" cy="0"/>
+        </a:xfrm>
+      </p:grpSpPr>
+      <p:sp>
+        <p:nvSpPr>
+          <p:cNvPr id="63" name="Shape 63"/>
+          <p:cNvSpPr>
+            <a:spLocks noGrp="1" noRot="1" noChangeAspect="1"/>
+          </p:cNvSpPr>
+          <p:nvPr>
+            <p:ph type="sldImg" idx="2"/>
+          </p:nvPr>
+        </p:nvSpPr>
+        <p:spPr>
+          <a:xfrm>
+            <a:off x="381000" y="685800"/>
+            <a:ext cx="6096000" cy="3429000"/>
+          </a:xfrm>
+          <a:custGeom>
+            <a:avLst/>
+            <a:gdLst/>
+            <a:ahLst/>
+            <a:cxnLst/>
+            <a:rect l="0" t="0" r="0" b="0"/>
+            <a:pathLst>
+              <a:path w="120000" h="120000" extrusionOk="0">
+                <a:moveTo>
+                  <a:pt x="0" y="0"/>
+                </a:moveTo>
+                <a:lnTo>
+                  <a:pt x="120000" y="0"/>
+                </a:lnTo>
+                <a:lnTo>
+                  <a:pt x="120000" y="120000"/>
+                </a:lnTo>
+                <a:lnTo>
+                  <a:pt x="0" y="120000"/>
+                </a:lnTo>
+                <a:close/>
+              </a:path>
+            </a:pathLst>
+          </a:custGeom>
+          <a:noFill/>
+          <a:ln w="9525" cap="flat">
+            <a:solidFill>
+              <a:srgbClr val="000000"/>
+            </a:solidFill>
+            <a:prstDash val="solid"/>
+            <a:round/>
+            <a:headEnd type="none" w="med" len="med"/>
+            <a:tailEnd type="none" w="med" len="med"/>
+          </a:ln>
+        </p:spPr>
+      </p:sp>
+      <p:sp>
+        <p:nvSpPr>
+          <p:cNvPr id="64" name="Shape 64"/>
+          <p:cNvSpPr txBox="1">
+            <a:spLocks noGrp="1"/>
+          </p:cNvSpPr>
+          <p:nvPr>
+            <p:ph type="body" idx="1"/>
+          </p:nvPr>
+        </p:nvSpPr>
+        <p:spPr>
+          <a:xfrm>
+            <a:off x="685800" y="4343400"/>
+            <a:ext cx="5486399" cy="4114800"/>
+          </a:xfrm>
+          <a:prstGeom prst="rect">
+            <a:avLst/>
+          </a:prstGeom>
+        </p:spPr>
+        <p:txBody>
+          <a:bodyPr lIns="91425" tIns="91425" rIns="91425" bIns="91425" anchor="t" anchorCtr="0">
+            <a:noAutofit/>
+          </a:bodyPr>
+          <a:lstStyle/>
+          <a:p>
+            <a:pPr>
+              <a:spcBef>
+                <a:spcPts val="0"/>
+              </a:spcBef>
+              <a:buNone/>
+            </a:pPr>
+            <a:endParaRPr/>
+          </a:p>
+        </p:txBody>
+      </p:sp>
+    </p:spTree>
   </p:cSld>
   <p:clrMapOvr>
     <a:masterClrMapping/>
@@ -1307,6 +1758,228 @@
 </p:notes>
 </file>
 
+<file path=ppt/notesSlides/notesSlide8.xml><?xml version="1.0" encoding="utf-8"?>
+<p:notes xmlns:a="http://schemas.openxmlformats.org/drawingml/2006/main" xmlns:r="http://schemas.openxmlformats.org/officeDocument/2006/relationships" xmlns:p="http://schemas.openxmlformats.org/presentationml/2006/main" showMasterSp="0" showMasterPhAnim="0">
+  <p:cSld>
+    <p:spTree>
+      <p:nvGrpSpPr>
+        <p:cNvPr id="1" name="Shape 32"/>
+        <p:cNvGrpSpPr/>
+        <p:nvPr/>
+      </p:nvGrpSpPr>
+      <p:grpSpPr>
+        <a:xfrm>
+          <a:off x="0" y="0"/>
+          <a:ext cx="0" cy="0"/>
+          <a:chOff x="0" y="0"/>
+          <a:chExt cx="0" cy="0"/>
+        </a:xfrm>
+      </p:grpSpPr>
+      <p:sp>
+        <p:nvSpPr>
+          <p:cNvPr id="33" name="Shape 33"/>
+          <p:cNvSpPr>
+            <a:spLocks noGrp="1" noRot="1" noChangeAspect="1"/>
+          </p:cNvSpPr>
+          <p:nvPr>
+            <p:ph type="sldImg" idx="2"/>
+          </p:nvPr>
+        </p:nvSpPr>
+        <p:spPr>
+          <a:xfrm>
+            <a:off x="381000" y="685800"/>
+            <a:ext cx="6096000" cy="3429000"/>
+          </a:xfrm>
+          <a:custGeom>
+            <a:avLst/>
+            <a:gdLst/>
+            <a:ahLst/>
+            <a:cxnLst/>
+            <a:rect l="0" t="0" r="0" b="0"/>
+            <a:pathLst>
+              <a:path w="120000" h="120000" extrusionOk="0">
+                <a:moveTo>
+                  <a:pt x="0" y="0"/>
+                </a:moveTo>
+                <a:lnTo>
+                  <a:pt x="120000" y="0"/>
+                </a:lnTo>
+                <a:lnTo>
+                  <a:pt x="120000" y="120000"/>
+                </a:lnTo>
+                <a:lnTo>
+                  <a:pt x="0" y="120000"/>
+                </a:lnTo>
+                <a:close/>
+              </a:path>
+            </a:pathLst>
+          </a:custGeom>
+          <a:noFill/>
+          <a:ln w="9525" cap="flat">
+            <a:solidFill>
+              <a:srgbClr val="000000"/>
+            </a:solidFill>
+            <a:prstDash val="solid"/>
+            <a:round/>
+            <a:headEnd type="none" w="med" len="med"/>
+            <a:tailEnd type="none" w="med" len="med"/>
+          </a:ln>
+        </p:spPr>
+      </p:sp>
+      <p:sp>
+        <p:nvSpPr>
+          <p:cNvPr id="34" name="Shape 34"/>
+          <p:cNvSpPr txBox="1">
+            <a:spLocks noGrp="1"/>
+          </p:cNvSpPr>
+          <p:nvPr>
+            <p:ph type="body" idx="1"/>
+          </p:nvPr>
+        </p:nvSpPr>
+        <p:spPr>
+          <a:xfrm>
+            <a:off x="685800" y="4343400"/>
+            <a:ext cx="5486399" cy="4114800"/>
+          </a:xfrm>
+          <a:prstGeom prst="rect">
+            <a:avLst/>
+          </a:prstGeom>
+        </p:spPr>
+        <p:txBody>
+          <a:bodyPr lIns="91425" tIns="91425" rIns="91425" bIns="91425" anchor="t" anchorCtr="0">
+            <a:noAutofit/>
+          </a:bodyPr>
+          <a:lstStyle/>
+          <a:p>
+            <a:pPr>
+              <a:spcBef>
+                <a:spcPts val="0"/>
+              </a:spcBef>
+              <a:buNone/>
+            </a:pPr>
+            <a:endParaRPr/>
+          </a:p>
+        </p:txBody>
+      </p:sp>
+    </p:spTree>
+  </p:cSld>
+  <p:clrMapOvr>
+    <a:masterClrMapping/>
+  </p:clrMapOvr>
+</p:notes>
+</file>
+
+<file path=ppt/notesSlides/notesSlide9.xml><?xml version="1.0" encoding="utf-8"?>
+<p:notes xmlns:a="http://schemas.openxmlformats.org/drawingml/2006/main" xmlns:r="http://schemas.openxmlformats.org/officeDocument/2006/relationships" xmlns:p="http://schemas.openxmlformats.org/presentationml/2006/main" showMasterSp="0" showMasterPhAnim="0">
+  <p:cSld>
+    <p:spTree>
+      <p:nvGrpSpPr>
+        <p:cNvPr id="1" name="Shape 38"/>
+        <p:cNvGrpSpPr/>
+        <p:nvPr/>
+      </p:nvGrpSpPr>
+      <p:grpSpPr>
+        <a:xfrm>
+          <a:off x="0" y="0"/>
+          <a:ext cx="0" cy="0"/>
+          <a:chOff x="0" y="0"/>
+          <a:chExt cx="0" cy="0"/>
+        </a:xfrm>
+      </p:grpSpPr>
+      <p:sp>
+        <p:nvSpPr>
+          <p:cNvPr id="39" name="Shape 39"/>
+          <p:cNvSpPr>
+            <a:spLocks noGrp="1" noRot="1" noChangeAspect="1"/>
+          </p:cNvSpPr>
+          <p:nvPr>
+            <p:ph type="sldImg" idx="2"/>
+          </p:nvPr>
+        </p:nvSpPr>
+        <p:spPr>
+          <a:xfrm>
+            <a:off x="381000" y="685800"/>
+            <a:ext cx="6096000" cy="3429000"/>
+          </a:xfrm>
+          <a:custGeom>
+            <a:avLst/>
+            <a:gdLst/>
+            <a:ahLst/>
+            <a:cxnLst/>
+            <a:rect l="0" t="0" r="0" b="0"/>
+            <a:pathLst>
+              <a:path w="120000" h="120000" extrusionOk="0">
+                <a:moveTo>
+                  <a:pt x="0" y="0"/>
+                </a:moveTo>
+                <a:lnTo>
+                  <a:pt x="120000" y="0"/>
+                </a:lnTo>
+                <a:lnTo>
+                  <a:pt x="120000" y="120000"/>
+                </a:lnTo>
+                <a:lnTo>
+                  <a:pt x="0" y="120000"/>
+                </a:lnTo>
+                <a:close/>
+              </a:path>
+            </a:pathLst>
+          </a:custGeom>
+          <a:noFill/>
+          <a:ln w="9525" cap="flat">
+            <a:solidFill>
+              <a:srgbClr val="000000"/>
+            </a:solidFill>
+            <a:prstDash val="solid"/>
+            <a:round/>
+            <a:headEnd type="none" w="med" len="med"/>
+            <a:tailEnd type="none" w="med" len="med"/>
+          </a:ln>
+        </p:spPr>
+      </p:sp>
+      <p:sp>
+        <p:nvSpPr>
+          <p:cNvPr id="40" name="Shape 40"/>
+          <p:cNvSpPr txBox="1">
+            <a:spLocks noGrp="1"/>
+          </p:cNvSpPr>
+          <p:nvPr>
+            <p:ph type="body" idx="1"/>
+          </p:nvPr>
+        </p:nvSpPr>
+        <p:spPr>
+          <a:xfrm>
+            <a:off x="685800" y="4343400"/>
+            <a:ext cx="5486399" cy="4114800"/>
+          </a:xfrm>
+          <a:prstGeom prst="rect">
+            <a:avLst/>
+          </a:prstGeom>
+        </p:spPr>
+        <p:txBody>
+          <a:bodyPr lIns="91425" tIns="91425" rIns="91425" bIns="91425" anchor="t" anchorCtr="0">
+            <a:noAutofit/>
+          </a:bodyPr>
+          <a:lstStyle/>
+          <a:p>
+            <a:pPr>
+              <a:spcBef>
+                <a:spcPts val="0"/>
+              </a:spcBef>
+              <a:buNone/>
+            </a:pPr>
+            <a:endParaRPr/>
+          </a:p>
+        </p:txBody>
+      </p:sp>
+    </p:spTree>
+  </p:cSld>
+  <p:clrMapOvr>
+    <a:masterClrMapping/>
+  </p:clrMapOvr>
+</p:notes>
+</file>
+
 <file path=ppt/slideLayouts/slideLayout1.xml><?xml version="1.0" encoding="utf-8"?>
 <p:sldLayout xmlns:a="http://schemas.openxmlformats.org/drawingml/2006/main" xmlns:r="http://schemas.openxmlformats.org/officeDocument/2006/relationships" xmlns:p="http://schemas.openxmlformats.org/presentationml/2006/main" type="title">
   <p:cSld name="Title Slide">
@@ -6013,6 +6686,1267 @@
     <p:extLst>
       <p:ext uri="{BB962C8B-B14F-4D97-AF65-F5344CB8AC3E}">
         <p14:creationId xmlns:p14="http://schemas.microsoft.com/office/powerpoint/2010/main" val="2778683718"/>
+      </p:ext>
+    </p:extLst>
+  </p:cSld>
+  <p:clrMapOvr>
+    <a:masterClrMapping/>
+  </p:clrMapOvr>
+</p:sldLayout>
+</file>
+
+<file path=ppt/slideLayouts/slideLayout13.xml><?xml version="1.0" encoding="utf-8"?>
+<p:sldLayout xmlns:a="http://schemas.openxmlformats.org/drawingml/2006/main" xmlns:r="http://schemas.openxmlformats.org/officeDocument/2006/relationships" xmlns:p="http://schemas.openxmlformats.org/presentationml/2006/main" type="title">
+  <p:cSld name="Title Slide">
+    <p:spTree>
+      <p:nvGrpSpPr>
+        <p:cNvPr id="1" name="Shape 8"/>
+        <p:cNvGrpSpPr/>
+        <p:nvPr/>
+      </p:nvGrpSpPr>
+      <p:grpSpPr>
+        <a:xfrm>
+          <a:off x="0" y="0"/>
+          <a:ext cx="0" cy="0"/>
+          <a:chOff x="0" y="0"/>
+          <a:chExt cx="0" cy="0"/>
+        </a:xfrm>
+      </p:grpSpPr>
+      <p:sp>
+        <p:nvSpPr>
+          <p:cNvPr id="9" name="Shape 9"/>
+          <p:cNvSpPr txBox="1">
+            <a:spLocks noGrp="1"/>
+          </p:cNvSpPr>
+          <p:nvPr>
+            <p:ph type="subTitle" idx="1"/>
+          </p:nvPr>
+        </p:nvSpPr>
+        <p:spPr>
+          <a:xfrm>
+            <a:off x="685800" y="2840053"/>
+            <a:ext cx="7772400" cy="784799"/>
+          </a:xfrm>
+          <a:prstGeom prst="rect">
+            <a:avLst/>
+          </a:prstGeom>
+        </p:spPr>
+        <p:txBody>
+          <a:bodyPr lIns="91425" tIns="91425" rIns="91425" bIns="91425" anchor="t" anchorCtr="0"/>
+          <a:lstStyle>
+            <a:lvl1pPr algn="ctr">
+              <a:spcBef>
+                <a:spcPts val="0"/>
+              </a:spcBef>
+              <a:buClr>
+                <a:schemeClr val="lt2"/>
+              </a:buClr>
+              <a:buNone/>
+              <a:defRPr>
+                <a:solidFill>
+                  <a:schemeClr val="lt2"/>
+                </a:solidFill>
+              </a:defRPr>
+            </a:lvl1pPr>
+            <a:lvl2pPr algn="ctr">
+              <a:spcBef>
+                <a:spcPts val="0"/>
+              </a:spcBef>
+              <a:buClr>
+                <a:schemeClr val="lt2"/>
+              </a:buClr>
+              <a:buSzPct val="100000"/>
+              <a:buNone/>
+              <a:defRPr sz="3000">
+                <a:solidFill>
+                  <a:schemeClr val="lt2"/>
+                </a:solidFill>
+              </a:defRPr>
+            </a:lvl2pPr>
+            <a:lvl3pPr algn="ctr">
+              <a:spcBef>
+                <a:spcPts val="0"/>
+              </a:spcBef>
+              <a:buClr>
+                <a:schemeClr val="lt2"/>
+              </a:buClr>
+              <a:buSzPct val="100000"/>
+              <a:buNone/>
+              <a:defRPr sz="3000">
+                <a:solidFill>
+                  <a:schemeClr val="lt2"/>
+                </a:solidFill>
+              </a:defRPr>
+            </a:lvl3pPr>
+            <a:lvl4pPr algn="ctr">
+              <a:spcBef>
+                <a:spcPts val="0"/>
+              </a:spcBef>
+              <a:buClr>
+                <a:schemeClr val="lt2"/>
+              </a:buClr>
+              <a:buSzPct val="100000"/>
+              <a:buNone/>
+              <a:defRPr sz="3000">
+                <a:solidFill>
+                  <a:schemeClr val="lt2"/>
+                </a:solidFill>
+              </a:defRPr>
+            </a:lvl4pPr>
+            <a:lvl5pPr algn="ctr">
+              <a:spcBef>
+                <a:spcPts val="0"/>
+              </a:spcBef>
+              <a:buClr>
+                <a:schemeClr val="lt2"/>
+              </a:buClr>
+              <a:buSzPct val="100000"/>
+              <a:buNone/>
+              <a:defRPr sz="3000">
+                <a:solidFill>
+                  <a:schemeClr val="lt2"/>
+                </a:solidFill>
+              </a:defRPr>
+            </a:lvl5pPr>
+            <a:lvl6pPr algn="ctr">
+              <a:spcBef>
+                <a:spcPts val="0"/>
+              </a:spcBef>
+              <a:buClr>
+                <a:schemeClr val="lt2"/>
+              </a:buClr>
+              <a:buSzPct val="100000"/>
+              <a:buNone/>
+              <a:defRPr sz="3000">
+                <a:solidFill>
+                  <a:schemeClr val="lt2"/>
+                </a:solidFill>
+              </a:defRPr>
+            </a:lvl6pPr>
+            <a:lvl7pPr algn="ctr">
+              <a:spcBef>
+                <a:spcPts val="0"/>
+              </a:spcBef>
+              <a:buClr>
+                <a:schemeClr val="lt2"/>
+              </a:buClr>
+              <a:buSzPct val="100000"/>
+              <a:buNone/>
+              <a:defRPr sz="3000">
+                <a:solidFill>
+                  <a:schemeClr val="lt2"/>
+                </a:solidFill>
+              </a:defRPr>
+            </a:lvl7pPr>
+            <a:lvl8pPr algn="ctr">
+              <a:spcBef>
+                <a:spcPts val="0"/>
+              </a:spcBef>
+              <a:buClr>
+                <a:schemeClr val="lt2"/>
+              </a:buClr>
+              <a:buSzPct val="100000"/>
+              <a:buNone/>
+              <a:defRPr sz="3000">
+                <a:solidFill>
+                  <a:schemeClr val="lt2"/>
+                </a:solidFill>
+              </a:defRPr>
+            </a:lvl8pPr>
+            <a:lvl9pPr algn="ctr">
+              <a:spcBef>
+                <a:spcPts val="0"/>
+              </a:spcBef>
+              <a:buClr>
+                <a:schemeClr val="lt2"/>
+              </a:buClr>
+              <a:buSzPct val="100000"/>
+              <a:buNone/>
+              <a:defRPr sz="3000">
+                <a:solidFill>
+                  <a:schemeClr val="lt2"/>
+                </a:solidFill>
+              </a:defRPr>
+            </a:lvl9pPr>
+          </a:lstStyle>
+          <a:p>
+            <a:endParaRPr/>
+          </a:p>
+        </p:txBody>
+      </p:sp>
+      <p:sp>
+        <p:nvSpPr>
+          <p:cNvPr id="10" name="Shape 10"/>
+          <p:cNvSpPr txBox="1">
+            <a:spLocks noGrp="1"/>
+          </p:cNvSpPr>
+          <p:nvPr>
+            <p:ph type="ctrTitle"/>
+          </p:nvPr>
+        </p:nvSpPr>
+        <p:spPr>
+          <a:xfrm>
+            <a:off x="685800" y="1583342"/>
+            <a:ext cx="7772400" cy="1159799"/>
+          </a:xfrm>
+          <a:prstGeom prst="rect">
+            <a:avLst/>
+          </a:prstGeom>
+        </p:spPr>
+        <p:txBody>
+          <a:bodyPr lIns="91425" tIns="91425" rIns="91425" bIns="91425" anchor="b" anchorCtr="0"/>
+          <a:lstStyle>
+            <a:lvl1pPr algn="ctr">
+              <a:spcBef>
+                <a:spcPts val="0"/>
+              </a:spcBef>
+              <a:buSzPct val="100000"/>
+              <a:defRPr sz="4800"/>
+            </a:lvl1pPr>
+            <a:lvl2pPr algn="ctr">
+              <a:spcBef>
+                <a:spcPts val="0"/>
+              </a:spcBef>
+              <a:buSzPct val="100000"/>
+              <a:defRPr sz="4800"/>
+            </a:lvl2pPr>
+            <a:lvl3pPr algn="ctr">
+              <a:spcBef>
+                <a:spcPts val="0"/>
+              </a:spcBef>
+              <a:buSzPct val="100000"/>
+              <a:defRPr sz="4800"/>
+            </a:lvl3pPr>
+            <a:lvl4pPr algn="ctr">
+              <a:spcBef>
+                <a:spcPts val="0"/>
+              </a:spcBef>
+              <a:buSzPct val="100000"/>
+              <a:defRPr sz="4800"/>
+            </a:lvl4pPr>
+            <a:lvl5pPr algn="ctr">
+              <a:spcBef>
+                <a:spcPts val="0"/>
+              </a:spcBef>
+              <a:buSzPct val="100000"/>
+              <a:defRPr sz="4800"/>
+            </a:lvl5pPr>
+            <a:lvl6pPr algn="ctr">
+              <a:spcBef>
+                <a:spcPts val="0"/>
+              </a:spcBef>
+              <a:buSzPct val="100000"/>
+              <a:defRPr sz="4800"/>
+            </a:lvl6pPr>
+            <a:lvl7pPr algn="ctr">
+              <a:spcBef>
+                <a:spcPts val="0"/>
+              </a:spcBef>
+              <a:buSzPct val="100000"/>
+              <a:defRPr sz="4800"/>
+            </a:lvl7pPr>
+            <a:lvl8pPr algn="ctr">
+              <a:spcBef>
+                <a:spcPts val="0"/>
+              </a:spcBef>
+              <a:buSzPct val="100000"/>
+              <a:defRPr sz="4800"/>
+            </a:lvl8pPr>
+            <a:lvl9pPr algn="ctr">
+              <a:spcBef>
+                <a:spcPts val="0"/>
+              </a:spcBef>
+              <a:buSzPct val="100000"/>
+              <a:defRPr sz="4800"/>
+            </a:lvl9pPr>
+          </a:lstStyle>
+          <a:p>
+            <a:endParaRPr/>
+          </a:p>
+        </p:txBody>
+      </p:sp>
+      <p:sp>
+        <p:nvSpPr>
+          <p:cNvPr id="11" name="Shape 11"/>
+          <p:cNvSpPr txBox="1">
+            <a:spLocks noGrp="1"/>
+          </p:cNvSpPr>
+          <p:nvPr>
+            <p:ph type="sldNum" idx="12"/>
+          </p:nvPr>
+        </p:nvSpPr>
+        <p:spPr>
+          <a:xfrm>
+            <a:off x="8556791" y="4749850"/>
+            <a:ext cx="548699" cy="393600"/>
+          </a:xfrm>
+          <a:prstGeom prst="rect">
+            <a:avLst/>
+          </a:prstGeom>
+        </p:spPr>
+        <p:txBody>
+          <a:bodyPr lIns="91425" tIns="91425" rIns="91425" bIns="91425" anchor="ctr" anchorCtr="0">
+            <a:noAutofit/>
+          </a:bodyPr>
+          <a:lstStyle>
+            <a:lvl1pPr>
+              <a:spcBef>
+                <a:spcPts val="0"/>
+              </a:spcBef>
+              <a:buNone/>
+              <a:defRPr/>
+            </a:lvl1pPr>
+          </a:lstStyle>
+          <a:p>
+            <a:fld id="{00000000-1234-1234-1234-123412341234}" type="slidenum">
+              <a:rPr lang="en">
+                <a:solidFill>
+                  <a:srgbClr val="FFFFFF"/>
+                </a:solidFill>
+              </a:rPr>
+              <a:pPr/>
+              <a:t>‹#›</a:t>
+            </a:fld>
+            <a:endParaRPr lang="en">
+              <a:solidFill>
+                <a:srgbClr val="FFFFFF"/>
+              </a:solidFill>
+            </a:endParaRPr>
+          </a:p>
+        </p:txBody>
+      </p:sp>
+    </p:spTree>
+    <p:extLst>
+      <p:ext uri="{BB962C8B-B14F-4D97-AF65-F5344CB8AC3E}">
+        <p14:creationId xmlns:p14="http://schemas.microsoft.com/office/powerpoint/2010/main" val="4211856085"/>
+      </p:ext>
+    </p:extLst>
+  </p:cSld>
+  <p:clrMapOvr>
+    <a:masterClrMapping/>
+  </p:clrMapOvr>
+</p:sldLayout>
+</file>
+
+<file path=ppt/slideLayouts/slideLayout14.xml><?xml version="1.0" encoding="utf-8"?>
+<p:sldLayout xmlns:a="http://schemas.openxmlformats.org/drawingml/2006/main" xmlns:r="http://schemas.openxmlformats.org/officeDocument/2006/relationships" xmlns:p="http://schemas.openxmlformats.org/presentationml/2006/main" type="tx">
+  <p:cSld name="Title and Body">
+    <p:spTree>
+      <p:nvGrpSpPr>
+        <p:cNvPr id="1" name="Shape 12"/>
+        <p:cNvGrpSpPr/>
+        <p:nvPr/>
+      </p:nvGrpSpPr>
+      <p:grpSpPr>
+        <a:xfrm>
+          <a:off x="0" y="0"/>
+          <a:ext cx="0" cy="0"/>
+          <a:chOff x="0" y="0"/>
+          <a:chExt cx="0" cy="0"/>
+        </a:xfrm>
+      </p:grpSpPr>
+      <p:sp>
+        <p:nvSpPr>
+          <p:cNvPr id="13" name="Shape 13"/>
+          <p:cNvSpPr txBox="1">
+            <a:spLocks noGrp="1"/>
+          </p:cNvSpPr>
+          <p:nvPr>
+            <p:ph type="title"/>
+          </p:nvPr>
+        </p:nvSpPr>
+        <p:spPr>
+          <a:xfrm>
+            <a:off x="457200" y="205978"/>
+            <a:ext cx="8229600" cy="857400"/>
+          </a:xfrm>
+          <a:prstGeom prst="rect">
+            <a:avLst/>
+          </a:prstGeom>
+        </p:spPr>
+        <p:txBody>
+          <a:bodyPr lIns="91425" tIns="91425" rIns="91425" bIns="91425" anchor="b" anchorCtr="0"/>
+          <a:lstStyle>
+            <a:lvl1pPr>
+              <a:spcBef>
+                <a:spcPts val="0"/>
+              </a:spcBef>
+              <a:defRPr/>
+            </a:lvl1pPr>
+            <a:lvl2pPr>
+              <a:spcBef>
+                <a:spcPts val="0"/>
+              </a:spcBef>
+              <a:defRPr/>
+            </a:lvl2pPr>
+            <a:lvl3pPr>
+              <a:spcBef>
+                <a:spcPts val="0"/>
+              </a:spcBef>
+              <a:defRPr/>
+            </a:lvl3pPr>
+            <a:lvl4pPr>
+              <a:spcBef>
+                <a:spcPts val="0"/>
+              </a:spcBef>
+              <a:defRPr/>
+            </a:lvl4pPr>
+            <a:lvl5pPr>
+              <a:spcBef>
+                <a:spcPts val="0"/>
+              </a:spcBef>
+              <a:defRPr/>
+            </a:lvl5pPr>
+            <a:lvl6pPr>
+              <a:spcBef>
+                <a:spcPts val="0"/>
+              </a:spcBef>
+              <a:defRPr/>
+            </a:lvl6pPr>
+            <a:lvl7pPr>
+              <a:spcBef>
+                <a:spcPts val="0"/>
+              </a:spcBef>
+              <a:defRPr/>
+            </a:lvl7pPr>
+            <a:lvl8pPr>
+              <a:spcBef>
+                <a:spcPts val="0"/>
+              </a:spcBef>
+              <a:defRPr/>
+            </a:lvl8pPr>
+            <a:lvl9pPr>
+              <a:spcBef>
+                <a:spcPts val="0"/>
+              </a:spcBef>
+              <a:defRPr/>
+            </a:lvl9pPr>
+          </a:lstStyle>
+          <a:p>
+            <a:endParaRPr/>
+          </a:p>
+        </p:txBody>
+      </p:sp>
+      <p:sp>
+        <p:nvSpPr>
+          <p:cNvPr id="14" name="Shape 14"/>
+          <p:cNvSpPr txBox="1">
+            <a:spLocks noGrp="1"/>
+          </p:cNvSpPr>
+          <p:nvPr>
+            <p:ph type="body" idx="1"/>
+          </p:nvPr>
+        </p:nvSpPr>
+        <p:spPr>
+          <a:xfrm>
+            <a:off x="457200" y="1200150"/>
+            <a:ext cx="8229600" cy="3725699"/>
+          </a:xfrm>
+          <a:prstGeom prst="rect">
+            <a:avLst/>
+          </a:prstGeom>
+        </p:spPr>
+        <p:txBody>
+          <a:bodyPr lIns="91425" tIns="91425" rIns="91425" bIns="91425" anchor="t" anchorCtr="0"/>
+          <a:lstStyle>
+            <a:lvl1pPr>
+              <a:spcBef>
+                <a:spcPts val="0"/>
+              </a:spcBef>
+              <a:defRPr/>
+            </a:lvl1pPr>
+            <a:lvl2pPr>
+              <a:spcBef>
+                <a:spcPts val="0"/>
+              </a:spcBef>
+              <a:defRPr/>
+            </a:lvl2pPr>
+            <a:lvl3pPr>
+              <a:spcBef>
+                <a:spcPts val="0"/>
+              </a:spcBef>
+              <a:defRPr/>
+            </a:lvl3pPr>
+            <a:lvl4pPr>
+              <a:spcBef>
+                <a:spcPts val="0"/>
+              </a:spcBef>
+              <a:defRPr/>
+            </a:lvl4pPr>
+            <a:lvl5pPr>
+              <a:spcBef>
+                <a:spcPts val="0"/>
+              </a:spcBef>
+              <a:defRPr/>
+            </a:lvl5pPr>
+            <a:lvl6pPr>
+              <a:spcBef>
+                <a:spcPts val="0"/>
+              </a:spcBef>
+              <a:defRPr/>
+            </a:lvl6pPr>
+            <a:lvl7pPr>
+              <a:spcBef>
+                <a:spcPts val="0"/>
+              </a:spcBef>
+              <a:defRPr/>
+            </a:lvl7pPr>
+            <a:lvl8pPr>
+              <a:spcBef>
+                <a:spcPts val="0"/>
+              </a:spcBef>
+              <a:defRPr/>
+            </a:lvl8pPr>
+            <a:lvl9pPr>
+              <a:spcBef>
+                <a:spcPts val="0"/>
+              </a:spcBef>
+              <a:defRPr/>
+            </a:lvl9pPr>
+          </a:lstStyle>
+          <a:p>
+            <a:endParaRPr/>
+          </a:p>
+        </p:txBody>
+      </p:sp>
+      <p:sp>
+        <p:nvSpPr>
+          <p:cNvPr id="15" name="Shape 15"/>
+          <p:cNvSpPr txBox="1">
+            <a:spLocks noGrp="1"/>
+          </p:cNvSpPr>
+          <p:nvPr>
+            <p:ph type="sldNum" idx="12"/>
+          </p:nvPr>
+        </p:nvSpPr>
+        <p:spPr>
+          <a:xfrm>
+            <a:off x="8556791" y="4749850"/>
+            <a:ext cx="548699" cy="393600"/>
+          </a:xfrm>
+          <a:prstGeom prst="rect">
+            <a:avLst/>
+          </a:prstGeom>
+        </p:spPr>
+        <p:txBody>
+          <a:bodyPr lIns="91425" tIns="91425" rIns="91425" bIns="91425" anchor="ctr" anchorCtr="0">
+            <a:noAutofit/>
+          </a:bodyPr>
+          <a:lstStyle>
+            <a:lvl1pPr>
+              <a:spcBef>
+                <a:spcPts val="0"/>
+              </a:spcBef>
+              <a:buNone/>
+              <a:defRPr/>
+            </a:lvl1pPr>
+          </a:lstStyle>
+          <a:p>
+            <a:fld id="{00000000-1234-1234-1234-123412341234}" type="slidenum">
+              <a:rPr lang="en">
+                <a:solidFill>
+                  <a:srgbClr val="FFFFFF"/>
+                </a:solidFill>
+              </a:rPr>
+              <a:pPr/>
+              <a:t>‹#›</a:t>
+            </a:fld>
+            <a:endParaRPr lang="en">
+              <a:solidFill>
+                <a:srgbClr val="FFFFFF"/>
+              </a:solidFill>
+            </a:endParaRPr>
+          </a:p>
+        </p:txBody>
+      </p:sp>
+    </p:spTree>
+    <p:extLst>
+      <p:ext uri="{BB962C8B-B14F-4D97-AF65-F5344CB8AC3E}">
+        <p14:creationId xmlns:p14="http://schemas.microsoft.com/office/powerpoint/2010/main" val="4080714442"/>
+      </p:ext>
+    </p:extLst>
+  </p:cSld>
+  <p:clrMapOvr>
+    <a:masterClrMapping/>
+  </p:clrMapOvr>
+</p:sldLayout>
+</file>
+
+<file path=ppt/slideLayouts/slideLayout15.xml><?xml version="1.0" encoding="utf-8"?>
+<p:sldLayout xmlns:a="http://schemas.openxmlformats.org/drawingml/2006/main" xmlns:r="http://schemas.openxmlformats.org/officeDocument/2006/relationships" xmlns:p="http://schemas.openxmlformats.org/presentationml/2006/main" type="twoColTx">
+  <p:cSld name="Title and Two Columns">
+    <p:spTree>
+      <p:nvGrpSpPr>
+        <p:cNvPr id="1" name="Shape 16"/>
+        <p:cNvGrpSpPr/>
+        <p:nvPr/>
+      </p:nvGrpSpPr>
+      <p:grpSpPr>
+        <a:xfrm>
+          <a:off x="0" y="0"/>
+          <a:ext cx="0" cy="0"/>
+          <a:chOff x="0" y="0"/>
+          <a:chExt cx="0" cy="0"/>
+        </a:xfrm>
+      </p:grpSpPr>
+      <p:sp>
+        <p:nvSpPr>
+          <p:cNvPr id="17" name="Shape 17"/>
+          <p:cNvSpPr txBox="1">
+            <a:spLocks noGrp="1"/>
+          </p:cNvSpPr>
+          <p:nvPr>
+            <p:ph type="title"/>
+          </p:nvPr>
+        </p:nvSpPr>
+        <p:spPr>
+          <a:xfrm>
+            <a:off x="457200" y="205978"/>
+            <a:ext cx="8229600" cy="857400"/>
+          </a:xfrm>
+          <a:prstGeom prst="rect">
+            <a:avLst/>
+          </a:prstGeom>
+        </p:spPr>
+        <p:txBody>
+          <a:bodyPr lIns="91425" tIns="91425" rIns="91425" bIns="91425" anchor="b" anchorCtr="0"/>
+          <a:lstStyle>
+            <a:lvl1pPr>
+              <a:spcBef>
+                <a:spcPts val="0"/>
+              </a:spcBef>
+              <a:defRPr/>
+            </a:lvl1pPr>
+            <a:lvl2pPr>
+              <a:spcBef>
+                <a:spcPts val="0"/>
+              </a:spcBef>
+              <a:defRPr/>
+            </a:lvl2pPr>
+            <a:lvl3pPr>
+              <a:spcBef>
+                <a:spcPts val="0"/>
+              </a:spcBef>
+              <a:defRPr/>
+            </a:lvl3pPr>
+            <a:lvl4pPr>
+              <a:spcBef>
+                <a:spcPts val="0"/>
+              </a:spcBef>
+              <a:defRPr/>
+            </a:lvl4pPr>
+            <a:lvl5pPr>
+              <a:spcBef>
+                <a:spcPts val="0"/>
+              </a:spcBef>
+              <a:defRPr/>
+            </a:lvl5pPr>
+            <a:lvl6pPr>
+              <a:spcBef>
+                <a:spcPts val="0"/>
+              </a:spcBef>
+              <a:defRPr/>
+            </a:lvl6pPr>
+            <a:lvl7pPr>
+              <a:spcBef>
+                <a:spcPts val="0"/>
+              </a:spcBef>
+              <a:defRPr/>
+            </a:lvl7pPr>
+            <a:lvl8pPr>
+              <a:spcBef>
+                <a:spcPts val="0"/>
+              </a:spcBef>
+              <a:defRPr/>
+            </a:lvl8pPr>
+            <a:lvl9pPr>
+              <a:spcBef>
+                <a:spcPts val="0"/>
+              </a:spcBef>
+              <a:defRPr/>
+            </a:lvl9pPr>
+          </a:lstStyle>
+          <a:p>
+            <a:endParaRPr/>
+          </a:p>
+        </p:txBody>
+      </p:sp>
+      <p:sp>
+        <p:nvSpPr>
+          <p:cNvPr id="18" name="Shape 18"/>
+          <p:cNvSpPr txBox="1">
+            <a:spLocks noGrp="1"/>
+          </p:cNvSpPr>
+          <p:nvPr>
+            <p:ph type="body" idx="1"/>
+          </p:nvPr>
+        </p:nvSpPr>
+        <p:spPr>
+          <a:xfrm>
+            <a:off x="457200" y="1200150"/>
+            <a:ext cx="3994500" cy="3725699"/>
+          </a:xfrm>
+          <a:prstGeom prst="rect">
+            <a:avLst/>
+          </a:prstGeom>
+        </p:spPr>
+        <p:txBody>
+          <a:bodyPr lIns="91425" tIns="91425" rIns="91425" bIns="91425" anchor="t" anchorCtr="0"/>
+          <a:lstStyle>
+            <a:lvl1pPr>
+              <a:spcBef>
+                <a:spcPts val="0"/>
+              </a:spcBef>
+              <a:defRPr/>
+            </a:lvl1pPr>
+            <a:lvl2pPr>
+              <a:spcBef>
+                <a:spcPts val="0"/>
+              </a:spcBef>
+              <a:defRPr/>
+            </a:lvl2pPr>
+            <a:lvl3pPr>
+              <a:spcBef>
+                <a:spcPts val="0"/>
+              </a:spcBef>
+              <a:defRPr/>
+            </a:lvl3pPr>
+            <a:lvl4pPr>
+              <a:spcBef>
+                <a:spcPts val="0"/>
+              </a:spcBef>
+              <a:defRPr/>
+            </a:lvl4pPr>
+            <a:lvl5pPr>
+              <a:spcBef>
+                <a:spcPts val="0"/>
+              </a:spcBef>
+              <a:defRPr/>
+            </a:lvl5pPr>
+            <a:lvl6pPr>
+              <a:spcBef>
+                <a:spcPts val="0"/>
+              </a:spcBef>
+              <a:defRPr/>
+            </a:lvl6pPr>
+            <a:lvl7pPr>
+              <a:spcBef>
+                <a:spcPts val="0"/>
+              </a:spcBef>
+              <a:defRPr/>
+            </a:lvl7pPr>
+            <a:lvl8pPr>
+              <a:spcBef>
+                <a:spcPts val="0"/>
+              </a:spcBef>
+              <a:defRPr/>
+            </a:lvl8pPr>
+            <a:lvl9pPr>
+              <a:spcBef>
+                <a:spcPts val="0"/>
+              </a:spcBef>
+              <a:defRPr/>
+            </a:lvl9pPr>
+          </a:lstStyle>
+          <a:p>
+            <a:endParaRPr/>
+          </a:p>
+        </p:txBody>
+      </p:sp>
+      <p:sp>
+        <p:nvSpPr>
+          <p:cNvPr id="19" name="Shape 19"/>
+          <p:cNvSpPr txBox="1">
+            <a:spLocks noGrp="1"/>
+          </p:cNvSpPr>
+          <p:nvPr>
+            <p:ph type="body" idx="2"/>
+          </p:nvPr>
+        </p:nvSpPr>
+        <p:spPr>
+          <a:xfrm>
+            <a:off x="4692273" y="1200150"/>
+            <a:ext cx="3994500" cy="3725699"/>
+          </a:xfrm>
+          <a:prstGeom prst="rect">
+            <a:avLst/>
+          </a:prstGeom>
+        </p:spPr>
+        <p:txBody>
+          <a:bodyPr lIns="91425" tIns="91425" rIns="91425" bIns="91425" anchor="t" anchorCtr="0"/>
+          <a:lstStyle>
+            <a:lvl1pPr>
+              <a:spcBef>
+                <a:spcPts val="0"/>
+              </a:spcBef>
+              <a:defRPr/>
+            </a:lvl1pPr>
+            <a:lvl2pPr>
+              <a:spcBef>
+                <a:spcPts val="0"/>
+              </a:spcBef>
+              <a:defRPr/>
+            </a:lvl2pPr>
+            <a:lvl3pPr>
+              <a:spcBef>
+                <a:spcPts val="0"/>
+              </a:spcBef>
+              <a:defRPr/>
+            </a:lvl3pPr>
+            <a:lvl4pPr>
+              <a:spcBef>
+                <a:spcPts val="0"/>
+              </a:spcBef>
+              <a:defRPr/>
+            </a:lvl4pPr>
+            <a:lvl5pPr>
+              <a:spcBef>
+                <a:spcPts val="0"/>
+              </a:spcBef>
+              <a:defRPr/>
+            </a:lvl5pPr>
+            <a:lvl6pPr>
+              <a:spcBef>
+                <a:spcPts val="0"/>
+              </a:spcBef>
+              <a:defRPr/>
+            </a:lvl6pPr>
+            <a:lvl7pPr>
+              <a:spcBef>
+                <a:spcPts val="0"/>
+              </a:spcBef>
+              <a:defRPr/>
+            </a:lvl7pPr>
+            <a:lvl8pPr>
+              <a:spcBef>
+                <a:spcPts val="0"/>
+              </a:spcBef>
+              <a:defRPr/>
+            </a:lvl8pPr>
+            <a:lvl9pPr>
+              <a:spcBef>
+                <a:spcPts val="0"/>
+              </a:spcBef>
+              <a:defRPr/>
+            </a:lvl9pPr>
+          </a:lstStyle>
+          <a:p>
+            <a:endParaRPr/>
+          </a:p>
+        </p:txBody>
+      </p:sp>
+      <p:sp>
+        <p:nvSpPr>
+          <p:cNvPr id="20" name="Shape 20"/>
+          <p:cNvSpPr txBox="1">
+            <a:spLocks noGrp="1"/>
+          </p:cNvSpPr>
+          <p:nvPr>
+            <p:ph type="sldNum" idx="12"/>
+          </p:nvPr>
+        </p:nvSpPr>
+        <p:spPr>
+          <a:xfrm>
+            <a:off x="8556791" y="4749850"/>
+            <a:ext cx="548699" cy="393600"/>
+          </a:xfrm>
+          <a:prstGeom prst="rect">
+            <a:avLst/>
+          </a:prstGeom>
+        </p:spPr>
+        <p:txBody>
+          <a:bodyPr lIns="91425" tIns="91425" rIns="91425" bIns="91425" anchor="ctr" anchorCtr="0">
+            <a:noAutofit/>
+          </a:bodyPr>
+          <a:lstStyle>
+            <a:lvl1pPr>
+              <a:spcBef>
+                <a:spcPts val="0"/>
+              </a:spcBef>
+              <a:buNone/>
+              <a:defRPr/>
+            </a:lvl1pPr>
+          </a:lstStyle>
+          <a:p>
+            <a:fld id="{00000000-1234-1234-1234-123412341234}" type="slidenum">
+              <a:rPr lang="en">
+                <a:solidFill>
+                  <a:srgbClr val="FFFFFF"/>
+                </a:solidFill>
+              </a:rPr>
+              <a:pPr/>
+              <a:t>‹#›</a:t>
+            </a:fld>
+            <a:endParaRPr lang="en">
+              <a:solidFill>
+                <a:srgbClr val="FFFFFF"/>
+              </a:solidFill>
+            </a:endParaRPr>
+          </a:p>
+        </p:txBody>
+      </p:sp>
+    </p:spTree>
+    <p:extLst>
+      <p:ext uri="{BB962C8B-B14F-4D97-AF65-F5344CB8AC3E}">
+        <p14:creationId xmlns:p14="http://schemas.microsoft.com/office/powerpoint/2010/main" val="1767672955"/>
+      </p:ext>
+    </p:extLst>
+  </p:cSld>
+  <p:clrMapOvr>
+    <a:masterClrMapping/>
+  </p:clrMapOvr>
+</p:sldLayout>
+</file>
+
+<file path=ppt/slideLayouts/slideLayout16.xml><?xml version="1.0" encoding="utf-8"?>
+<p:sldLayout xmlns:a="http://schemas.openxmlformats.org/drawingml/2006/main" xmlns:r="http://schemas.openxmlformats.org/officeDocument/2006/relationships" xmlns:p="http://schemas.openxmlformats.org/presentationml/2006/main" type="titleOnly">
+  <p:cSld name="Title Only">
+    <p:spTree>
+      <p:nvGrpSpPr>
+        <p:cNvPr id="1" name="Shape 21"/>
+        <p:cNvGrpSpPr/>
+        <p:nvPr/>
+      </p:nvGrpSpPr>
+      <p:grpSpPr>
+        <a:xfrm>
+          <a:off x="0" y="0"/>
+          <a:ext cx="0" cy="0"/>
+          <a:chOff x="0" y="0"/>
+          <a:chExt cx="0" cy="0"/>
+        </a:xfrm>
+      </p:grpSpPr>
+      <p:sp>
+        <p:nvSpPr>
+          <p:cNvPr id="22" name="Shape 22"/>
+          <p:cNvSpPr txBox="1">
+            <a:spLocks noGrp="1"/>
+          </p:cNvSpPr>
+          <p:nvPr>
+            <p:ph type="title"/>
+          </p:nvPr>
+        </p:nvSpPr>
+        <p:spPr>
+          <a:xfrm>
+            <a:off x="457200" y="205978"/>
+            <a:ext cx="8229600" cy="857400"/>
+          </a:xfrm>
+          <a:prstGeom prst="rect">
+            <a:avLst/>
+          </a:prstGeom>
+        </p:spPr>
+        <p:txBody>
+          <a:bodyPr lIns="91425" tIns="91425" rIns="91425" bIns="91425" anchor="b" anchorCtr="0"/>
+          <a:lstStyle>
+            <a:lvl1pPr>
+              <a:spcBef>
+                <a:spcPts val="0"/>
+              </a:spcBef>
+              <a:defRPr/>
+            </a:lvl1pPr>
+            <a:lvl2pPr>
+              <a:spcBef>
+                <a:spcPts val="0"/>
+              </a:spcBef>
+              <a:defRPr/>
+            </a:lvl2pPr>
+            <a:lvl3pPr>
+              <a:spcBef>
+                <a:spcPts val="0"/>
+              </a:spcBef>
+              <a:defRPr/>
+            </a:lvl3pPr>
+            <a:lvl4pPr>
+              <a:spcBef>
+                <a:spcPts val="0"/>
+              </a:spcBef>
+              <a:defRPr/>
+            </a:lvl4pPr>
+            <a:lvl5pPr>
+              <a:spcBef>
+                <a:spcPts val="0"/>
+              </a:spcBef>
+              <a:defRPr/>
+            </a:lvl5pPr>
+            <a:lvl6pPr>
+              <a:spcBef>
+                <a:spcPts val="0"/>
+              </a:spcBef>
+              <a:defRPr/>
+            </a:lvl6pPr>
+            <a:lvl7pPr>
+              <a:spcBef>
+                <a:spcPts val="0"/>
+              </a:spcBef>
+              <a:defRPr/>
+            </a:lvl7pPr>
+            <a:lvl8pPr>
+              <a:spcBef>
+                <a:spcPts val="0"/>
+              </a:spcBef>
+              <a:defRPr/>
+            </a:lvl8pPr>
+            <a:lvl9pPr>
+              <a:spcBef>
+                <a:spcPts val="0"/>
+              </a:spcBef>
+              <a:defRPr/>
+            </a:lvl9pPr>
+          </a:lstStyle>
+          <a:p>
+            <a:endParaRPr/>
+          </a:p>
+        </p:txBody>
+      </p:sp>
+      <p:sp>
+        <p:nvSpPr>
+          <p:cNvPr id="23" name="Shape 23"/>
+          <p:cNvSpPr txBox="1">
+            <a:spLocks noGrp="1"/>
+          </p:cNvSpPr>
+          <p:nvPr>
+            <p:ph type="sldNum" idx="12"/>
+          </p:nvPr>
+        </p:nvSpPr>
+        <p:spPr>
+          <a:xfrm>
+            <a:off x="8556791" y="4749850"/>
+            <a:ext cx="548699" cy="393600"/>
+          </a:xfrm>
+          <a:prstGeom prst="rect">
+            <a:avLst/>
+          </a:prstGeom>
+        </p:spPr>
+        <p:txBody>
+          <a:bodyPr lIns="91425" tIns="91425" rIns="91425" bIns="91425" anchor="ctr" anchorCtr="0">
+            <a:noAutofit/>
+          </a:bodyPr>
+          <a:lstStyle>
+            <a:lvl1pPr>
+              <a:spcBef>
+                <a:spcPts val="0"/>
+              </a:spcBef>
+              <a:buNone/>
+              <a:defRPr/>
+            </a:lvl1pPr>
+          </a:lstStyle>
+          <a:p>
+            <a:fld id="{00000000-1234-1234-1234-123412341234}" type="slidenum">
+              <a:rPr lang="en">
+                <a:solidFill>
+                  <a:srgbClr val="FFFFFF"/>
+                </a:solidFill>
+              </a:rPr>
+              <a:pPr/>
+              <a:t>‹#›</a:t>
+            </a:fld>
+            <a:endParaRPr lang="en">
+              <a:solidFill>
+                <a:srgbClr val="FFFFFF"/>
+              </a:solidFill>
+            </a:endParaRPr>
+          </a:p>
+        </p:txBody>
+      </p:sp>
+    </p:spTree>
+    <p:extLst>
+      <p:ext uri="{BB962C8B-B14F-4D97-AF65-F5344CB8AC3E}">
+        <p14:creationId xmlns:p14="http://schemas.microsoft.com/office/powerpoint/2010/main" val="1139038608"/>
+      </p:ext>
+    </p:extLst>
+  </p:cSld>
+  <p:clrMapOvr>
+    <a:masterClrMapping/>
+  </p:clrMapOvr>
+</p:sldLayout>
+</file>
+
+<file path=ppt/slideLayouts/slideLayout17.xml><?xml version="1.0" encoding="utf-8"?>
+<p:sldLayout xmlns:a="http://schemas.openxmlformats.org/drawingml/2006/main" xmlns:r="http://schemas.openxmlformats.org/officeDocument/2006/relationships" xmlns:p="http://schemas.openxmlformats.org/presentationml/2006/main">
+  <p:cSld name="Caption">
+    <p:spTree>
+      <p:nvGrpSpPr>
+        <p:cNvPr id="1" name="Shape 24"/>
+        <p:cNvGrpSpPr/>
+        <p:nvPr/>
+      </p:nvGrpSpPr>
+      <p:grpSpPr>
+        <a:xfrm>
+          <a:off x="0" y="0"/>
+          <a:ext cx="0" cy="0"/>
+          <a:chOff x="0" y="0"/>
+          <a:chExt cx="0" cy="0"/>
+        </a:xfrm>
+      </p:grpSpPr>
+      <p:sp>
+        <p:nvSpPr>
+          <p:cNvPr id="25" name="Shape 25"/>
+          <p:cNvSpPr txBox="1">
+            <a:spLocks noGrp="1"/>
+          </p:cNvSpPr>
+          <p:nvPr>
+            <p:ph type="body" idx="1"/>
+          </p:nvPr>
+        </p:nvSpPr>
+        <p:spPr>
+          <a:xfrm>
+            <a:off x="457200" y="4406309"/>
+            <a:ext cx="8229600" cy="519599"/>
+          </a:xfrm>
+          <a:prstGeom prst="rect">
+            <a:avLst/>
+          </a:prstGeom>
+        </p:spPr>
+        <p:txBody>
+          <a:bodyPr lIns="91425" tIns="91425" rIns="91425" bIns="91425" anchor="t" anchorCtr="0"/>
+          <a:lstStyle>
+            <a:lvl1pPr algn="ctr">
+              <a:spcBef>
+                <a:spcPts val="0"/>
+              </a:spcBef>
+              <a:buSzPct val="100000"/>
+              <a:buNone/>
+              <a:defRPr sz="1800"/>
+            </a:lvl1pPr>
+          </a:lstStyle>
+          <a:p>
+            <a:endParaRPr/>
+          </a:p>
+        </p:txBody>
+      </p:sp>
+      <p:sp>
+        <p:nvSpPr>
+          <p:cNvPr id="26" name="Shape 26"/>
+          <p:cNvSpPr txBox="1">
+            <a:spLocks noGrp="1"/>
+          </p:cNvSpPr>
+          <p:nvPr>
+            <p:ph type="sldNum" idx="12"/>
+          </p:nvPr>
+        </p:nvSpPr>
+        <p:spPr>
+          <a:xfrm>
+            <a:off x="8556791" y="4749850"/>
+            <a:ext cx="548699" cy="393600"/>
+          </a:xfrm>
+          <a:prstGeom prst="rect">
+            <a:avLst/>
+          </a:prstGeom>
+        </p:spPr>
+        <p:txBody>
+          <a:bodyPr lIns="91425" tIns="91425" rIns="91425" bIns="91425" anchor="ctr" anchorCtr="0">
+            <a:noAutofit/>
+          </a:bodyPr>
+          <a:lstStyle>
+            <a:lvl1pPr>
+              <a:spcBef>
+                <a:spcPts val="0"/>
+              </a:spcBef>
+              <a:buNone/>
+              <a:defRPr/>
+            </a:lvl1pPr>
+          </a:lstStyle>
+          <a:p>
+            <a:fld id="{00000000-1234-1234-1234-123412341234}" type="slidenum">
+              <a:rPr lang="en">
+                <a:solidFill>
+                  <a:srgbClr val="FFFFFF"/>
+                </a:solidFill>
+              </a:rPr>
+              <a:pPr/>
+              <a:t>‹#›</a:t>
+            </a:fld>
+            <a:endParaRPr lang="en">
+              <a:solidFill>
+                <a:srgbClr val="FFFFFF"/>
+              </a:solidFill>
+            </a:endParaRPr>
+          </a:p>
+        </p:txBody>
+      </p:sp>
+    </p:spTree>
+    <p:extLst>
+      <p:ext uri="{BB962C8B-B14F-4D97-AF65-F5344CB8AC3E}">
+        <p14:creationId xmlns:p14="http://schemas.microsoft.com/office/powerpoint/2010/main" val="3688811208"/>
+      </p:ext>
+    </p:extLst>
+  </p:cSld>
+  <p:clrMapOvr>
+    <a:masterClrMapping/>
+  </p:clrMapOvr>
+</p:sldLayout>
+</file>
+
+<file path=ppt/slideLayouts/slideLayout18.xml><?xml version="1.0" encoding="utf-8"?>
+<p:sldLayout xmlns:a="http://schemas.openxmlformats.org/drawingml/2006/main" xmlns:r="http://schemas.openxmlformats.org/officeDocument/2006/relationships" xmlns:p="http://schemas.openxmlformats.org/presentationml/2006/main" type="blank">
+  <p:cSld name="Blank">
+    <p:spTree>
+      <p:nvGrpSpPr>
+        <p:cNvPr id="1" name="Shape 27"/>
+        <p:cNvGrpSpPr/>
+        <p:nvPr/>
+      </p:nvGrpSpPr>
+      <p:grpSpPr>
+        <a:xfrm>
+          <a:off x="0" y="0"/>
+          <a:ext cx="0" cy="0"/>
+          <a:chOff x="0" y="0"/>
+          <a:chExt cx="0" cy="0"/>
+        </a:xfrm>
+      </p:grpSpPr>
+      <p:sp>
+        <p:nvSpPr>
+          <p:cNvPr id="28" name="Shape 28"/>
+          <p:cNvSpPr txBox="1">
+            <a:spLocks noGrp="1"/>
+          </p:cNvSpPr>
+          <p:nvPr>
+            <p:ph type="sldNum" idx="12"/>
+          </p:nvPr>
+        </p:nvSpPr>
+        <p:spPr>
+          <a:xfrm>
+            <a:off x="8556791" y="4749850"/>
+            <a:ext cx="548699" cy="393600"/>
+          </a:xfrm>
+          <a:prstGeom prst="rect">
+            <a:avLst/>
+          </a:prstGeom>
+        </p:spPr>
+        <p:txBody>
+          <a:bodyPr lIns="91425" tIns="91425" rIns="91425" bIns="91425" anchor="ctr" anchorCtr="0">
+            <a:noAutofit/>
+          </a:bodyPr>
+          <a:lstStyle>
+            <a:lvl1pPr>
+              <a:spcBef>
+                <a:spcPts val="0"/>
+              </a:spcBef>
+              <a:buNone/>
+              <a:defRPr/>
+            </a:lvl1pPr>
+          </a:lstStyle>
+          <a:p>
+            <a:fld id="{00000000-1234-1234-1234-123412341234}" type="slidenum">
+              <a:rPr lang="en">
+                <a:solidFill>
+                  <a:srgbClr val="FFFFFF"/>
+                </a:solidFill>
+              </a:rPr>
+              <a:pPr/>
+              <a:t>‹#›</a:t>
+            </a:fld>
+            <a:endParaRPr lang="en">
+              <a:solidFill>
+                <a:srgbClr val="FFFFFF"/>
+              </a:solidFill>
+            </a:endParaRPr>
+          </a:p>
+        </p:txBody>
+      </p:sp>
+    </p:spTree>
+    <p:extLst>
+      <p:ext uri="{BB962C8B-B14F-4D97-AF65-F5344CB8AC3E}">
+        <p14:creationId xmlns:p14="http://schemas.microsoft.com/office/powerpoint/2010/main" val="1447055557"/>
       </p:ext>
     </p:extLst>
   </p:cSld>
@@ -32022,6 +33956,926 @@
 </p:sldMaster>
 </file>
 
+<file path=ppt/slideMasters/slideMaster3.xml><?xml version="1.0" encoding="utf-8"?>
+<p:sldMaster xmlns:a="http://schemas.openxmlformats.org/drawingml/2006/main" xmlns:r="http://schemas.openxmlformats.org/officeDocument/2006/relationships" xmlns:p="http://schemas.openxmlformats.org/presentationml/2006/main">
+  <p:cSld>
+    <p:bg>
+      <p:bgPr>
+        <a:gradFill>
+          <a:gsLst>
+            <a:gs pos="0">
+              <a:schemeClr val="dk2"/>
+            </a:gs>
+            <a:gs pos="100000">
+              <a:schemeClr val="dk1"/>
+            </a:gs>
+          </a:gsLst>
+          <a:path path="circle">
+            <a:fillToRect l="50000" t="50000" r="50000" b="50000"/>
+          </a:path>
+          <a:tileRect/>
+        </a:gradFill>
+        <a:effectLst/>
+      </p:bgPr>
+    </p:bg>
+    <p:spTree>
+      <p:nvGrpSpPr>
+        <p:cNvPr id="1" name="Shape 4"/>
+        <p:cNvGrpSpPr/>
+        <p:nvPr/>
+      </p:nvGrpSpPr>
+      <p:grpSpPr>
+        <a:xfrm>
+          <a:off x="0" y="0"/>
+          <a:ext cx="0" cy="0"/>
+          <a:chOff x="0" y="0"/>
+          <a:chExt cx="0" cy="0"/>
+        </a:xfrm>
+      </p:grpSpPr>
+      <p:sp>
+        <p:nvSpPr>
+          <p:cNvPr id="5" name="Shape 5"/>
+          <p:cNvSpPr txBox="1">
+            <a:spLocks noGrp="1"/>
+          </p:cNvSpPr>
+          <p:nvPr>
+            <p:ph type="title"/>
+          </p:nvPr>
+        </p:nvSpPr>
+        <p:spPr>
+          <a:xfrm>
+            <a:off x="457200" y="205978"/>
+            <a:ext cx="8229600" cy="857400"/>
+          </a:xfrm>
+          <a:prstGeom prst="rect">
+            <a:avLst/>
+          </a:prstGeom>
+          <a:noFill/>
+          <a:ln>
+            <a:noFill/>
+          </a:ln>
+        </p:spPr>
+        <p:txBody>
+          <a:bodyPr lIns="91425" tIns="91425" rIns="91425" bIns="91425" anchor="b" anchorCtr="0"/>
+          <a:lstStyle>
+            <a:lvl1pPr>
+              <a:spcBef>
+                <a:spcPts val="0"/>
+              </a:spcBef>
+              <a:buClr>
+                <a:schemeClr val="lt1"/>
+              </a:buClr>
+              <a:buSzPct val="100000"/>
+              <a:buNone/>
+              <a:defRPr sz="3600" b="1">
+                <a:solidFill>
+                  <a:schemeClr val="lt1"/>
+                </a:solidFill>
+              </a:defRPr>
+            </a:lvl1pPr>
+            <a:lvl2pPr>
+              <a:spcBef>
+                <a:spcPts val="0"/>
+              </a:spcBef>
+              <a:buClr>
+                <a:schemeClr val="lt1"/>
+              </a:buClr>
+              <a:buSzPct val="100000"/>
+              <a:buNone/>
+              <a:defRPr sz="3600" b="1">
+                <a:solidFill>
+                  <a:schemeClr val="lt1"/>
+                </a:solidFill>
+              </a:defRPr>
+            </a:lvl2pPr>
+            <a:lvl3pPr>
+              <a:spcBef>
+                <a:spcPts val="0"/>
+              </a:spcBef>
+              <a:buClr>
+                <a:schemeClr val="lt1"/>
+              </a:buClr>
+              <a:buSzPct val="100000"/>
+              <a:buNone/>
+              <a:defRPr sz="3600" b="1">
+                <a:solidFill>
+                  <a:schemeClr val="lt1"/>
+                </a:solidFill>
+              </a:defRPr>
+            </a:lvl3pPr>
+            <a:lvl4pPr>
+              <a:spcBef>
+                <a:spcPts val="0"/>
+              </a:spcBef>
+              <a:buClr>
+                <a:schemeClr val="lt1"/>
+              </a:buClr>
+              <a:buSzPct val="100000"/>
+              <a:buNone/>
+              <a:defRPr sz="3600" b="1">
+                <a:solidFill>
+                  <a:schemeClr val="lt1"/>
+                </a:solidFill>
+              </a:defRPr>
+            </a:lvl4pPr>
+            <a:lvl5pPr>
+              <a:spcBef>
+                <a:spcPts val="0"/>
+              </a:spcBef>
+              <a:buClr>
+                <a:schemeClr val="lt1"/>
+              </a:buClr>
+              <a:buSzPct val="100000"/>
+              <a:buNone/>
+              <a:defRPr sz="3600" b="1">
+                <a:solidFill>
+                  <a:schemeClr val="lt1"/>
+                </a:solidFill>
+              </a:defRPr>
+            </a:lvl5pPr>
+            <a:lvl6pPr>
+              <a:spcBef>
+                <a:spcPts val="0"/>
+              </a:spcBef>
+              <a:buClr>
+                <a:schemeClr val="lt1"/>
+              </a:buClr>
+              <a:buSzPct val="100000"/>
+              <a:buNone/>
+              <a:defRPr sz="3600" b="1">
+                <a:solidFill>
+                  <a:schemeClr val="lt1"/>
+                </a:solidFill>
+              </a:defRPr>
+            </a:lvl6pPr>
+            <a:lvl7pPr>
+              <a:spcBef>
+                <a:spcPts val="0"/>
+              </a:spcBef>
+              <a:buClr>
+                <a:schemeClr val="lt1"/>
+              </a:buClr>
+              <a:buSzPct val="100000"/>
+              <a:buNone/>
+              <a:defRPr sz="3600" b="1">
+                <a:solidFill>
+                  <a:schemeClr val="lt1"/>
+                </a:solidFill>
+              </a:defRPr>
+            </a:lvl7pPr>
+            <a:lvl8pPr>
+              <a:spcBef>
+                <a:spcPts val="0"/>
+              </a:spcBef>
+              <a:buClr>
+                <a:schemeClr val="lt1"/>
+              </a:buClr>
+              <a:buSzPct val="100000"/>
+              <a:buNone/>
+              <a:defRPr sz="3600" b="1">
+                <a:solidFill>
+                  <a:schemeClr val="lt1"/>
+                </a:solidFill>
+              </a:defRPr>
+            </a:lvl8pPr>
+            <a:lvl9pPr>
+              <a:spcBef>
+                <a:spcPts val="0"/>
+              </a:spcBef>
+              <a:buClr>
+                <a:schemeClr val="lt1"/>
+              </a:buClr>
+              <a:buSzPct val="100000"/>
+              <a:buNone/>
+              <a:defRPr sz="3600" b="1">
+                <a:solidFill>
+                  <a:schemeClr val="lt1"/>
+                </a:solidFill>
+              </a:defRPr>
+            </a:lvl9pPr>
+          </a:lstStyle>
+          <a:p>
+            <a:endParaRPr/>
+          </a:p>
+        </p:txBody>
+      </p:sp>
+      <p:sp>
+        <p:nvSpPr>
+          <p:cNvPr id="6" name="Shape 6"/>
+          <p:cNvSpPr txBox="1">
+            <a:spLocks noGrp="1"/>
+          </p:cNvSpPr>
+          <p:nvPr>
+            <p:ph type="body" idx="1"/>
+          </p:nvPr>
+        </p:nvSpPr>
+        <p:spPr>
+          <a:xfrm>
+            <a:off x="457200" y="1200150"/>
+            <a:ext cx="8229600" cy="3725699"/>
+          </a:xfrm>
+          <a:prstGeom prst="rect">
+            <a:avLst/>
+          </a:prstGeom>
+          <a:noFill/>
+          <a:ln>
+            <a:noFill/>
+          </a:ln>
+        </p:spPr>
+        <p:txBody>
+          <a:bodyPr lIns="91425" tIns="91425" rIns="91425" bIns="91425" anchor="t" anchorCtr="0"/>
+          <a:lstStyle>
+            <a:lvl1pPr>
+              <a:spcBef>
+                <a:spcPts val="600"/>
+              </a:spcBef>
+              <a:buClr>
+                <a:schemeClr val="lt1"/>
+              </a:buClr>
+              <a:buSzPct val="100000"/>
+              <a:defRPr sz="3000">
+                <a:solidFill>
+                  <a:schemeClr val="lt1"/>
+                </a:solidFill>
+              </a:defRPr>
+            </a:lvl1pPr>
+            <a:lvl2pPr>
+              <a:spcBef>
+                <a:spcPts val="480"/>
+              </a:spcBef>
+              <a:buClr>
+                <a:schemeClr val="lt1"/>
+              </a:buClr>
+              <a:buSzPct val="100000"/>
+              <a:defRPr sz="2400">
+                <a:solidFill>
+                  <a:schemeClr val="lt1"/>
+                </a:solidFill>
+              </a:defRPr>
+            </a:lvl2pPr>
+            <a:lvl3pPr>
+              <a:spcBef>
+                <a:spcPts val="480"/>
+              </a:spcBef>
+              <a:buClr>
+                <a:schemeClr val="lt1"/>
+              </a:buClr>
+              <a:buSzPct val="100000"/>
+              <a:defRPr sz="2400">
+                <a:solidFill>
+                  <a:schemeClr val="lt1"/>
+                </a:solidFill>
+              </a:defRPr>
+            </a:lvl3pPr>
+            <a:lvl4pPr>
+              <a:spcBef>
+                <a:spcPts val="360"/>
+              </a:spcBef>
+              <a:buClr>
+                <a:schemeClr val="lt1"/>
+              </a:buClr>
+              <a:buSzPct val="100000"/>
+              <a:defRPr sz="1800">
+                <a:solidFill>
+                  <a:schemeClr val="lt1"/>
+                </a:solidFill>
+              </a:defRPr>
+            </a:lvl4pPr>
+            <a:lvl5pPr>
+              <a:spcBef>
+                <a:spcPts val="360"/>
+              </a:spcBef>
+              <a:buClr>
+                <a:schemeClr val="lt1"/>
+              </a:buClr>
+              <a:buSzPct val="100000"/>
+              <a:defRPr sz="1800">
+                <a:solidFill>
+                  <a:schemeClr val="lt1"/>
+                </a:solidFill>
+              </a:defRPr>
+            </a:lvl5pPr>
+            <a:lvl6pPr>
+              <a:spcBef>
+                <a:spcPts val="360"/>
+              </a:spcBef>
+              <a:buClr>
+                <a:schemeClr val="lt1"/>
+              </a:buClr>
+              <a:buSzPct val="100000"/>
+              <a:defRPr sz="1800">
+                <a:solidFill>
+                  <a:schemeClr val="lt1"/>
+                </a:solidFill>
+              </a:defRPr>
+            </a:lvl6pPr>
+            <a:lvl7pPr>
+              <a:spcBef>
+                <a:spcPts val="360"/>
+              </a:spcBef>
+              <a:buClr>
+                <a:schemeClr val="lt1"/>
+              </a:buClr>
+              <a:buSzPct val="100000"/>
+              <a:defRPr sz="1800">
+                <a:solidFill>
+                  <a:schemeClr val="lt1"/>
+                </a:solidFill>
+              </a:defRPr>
+            </a:lvl7pPr>
+            <a:lvl8pPr>
+              <a:spcBef>
+                <a:spcPts val="360"/>
+              </a:spcBef>
+              <a:buClr>
+                <a:schemeClr val="lt1"/>
+              </a:buClr>
+              <a:buSzPct val="100000"/>
+              <a:defRPr sz="1800">
+                <a:solidFill>
+                  <a:schemeClr val="lt1"/>
+                </a:solidFill>
+              </a:defRPr>
+            </a:lvl8pPr>
+            <a:lvl9pPr>
+              <a:spcBef>
+                <a:spcPts val="360"/>
+              </a:spcBef>
+              <a:buClr>
+                <a:schemeClr val="lt1"/>
+              </a:buClr>
+              <a:buSzPct val="100000"/>
+              <a:defRPr sz="1800">
+                <a:solidFill>
+                  <a:schemeClr val="lt1"/>
+                </a:solidFill>
+              </a:defRPr>
+            </a:lvl9pPr>
+          </a:lstStyle>
+          <a:p>
+            <a:endParaRPr/>
+          </a:p>
+        </p:txBody>
+      </p:sp>
+      <p:sp>
+        <p:nvSpPr>
+          <p:cNvPr id="7" name="Shape 7"/>
+          <p:cNvSpPr txBox="1">
+            <a:spLocks noGrp="1"/>
+          </p:cNvSpPr>
+          <p:nvPr>
+            <p:ph type="sldNum" idx="12"/>
+          </p:nvPr>
+        </p:nvSpPr>
+        <p:spPr>
+          <a:xfrm>
+            <a:off x="8556791" y="4749850"/>
+            <a:ext cx="548699" cy="393600"/>
+          </a:xfrm>
+          <a:prstGeom prst="rect">
+            <a:avLst/>
+          </a:prstGeom>
+          <a:noFill/>
+          <a:ln>
+            <a:noFill/>
+          </a:ln>
+        </p:spPr>
+        <p:txBody>
+          <a:bodyPr lIns="91425" tIns="91425" rIns="91425" bIns="91425" anchor="ctr" anchorCtr="0">
+            <a:noAutofit/>
+          </a:bodyPr>
+          <a:lstStyle>
+            <a:lvl1pPr algn="r">
+              <a:spcBef>
+                <a:spcPts val="0"/>
+              </a:spcBef>
+              <a:buNone/>
+              <a:defRPr sz="1300">
+                <a:solidFill>
+                  <a:schemeClr val="lt1"/>
+                </a:solidFill>
+              </a:defRPr>
+            </a:lvl1pPr>
+          </a:lstStyle>
+          <a:p>
+            <a:fld id="{00000000-1234-1234-1234-123412341234}" type="slidenum">
+              <a:rPr lang="en">
+                <a:solidFill>
+                  <a:srgbClr val="FFFFFF"/>
+                </a:solidFill>
+              </a:rPr>
+              <a:pPr/>
+              <a:t>‹#›</a:t>
+            </a:fld>
+            <a:endParaRPr lang="en">
+              <a:solidFill>
+                <a:srgbClr val="FFFFFF"/>
+              </a:solidFill>
+            </a:endParaRPr>
+          </a:p>
+        </p:txBody>
+      </p:sp>
+    </p:spTree>
+    <p:extLst>
+      <p:ext uri="{BB962C8B-B14F-4D97-AF65-F5344CB8AC3E}">
+        <p14:creationId xmlns:p14="http://schemas.microsoft.com/office/powerpoint/2010/main" val="3661502857"/>
+      </p:ext>
+    </p:extLst>
+  </p:cSld>
+  <p:clrMap bg1="lt1" tx1="dk1" bg2="dk2" tx2="lt2" accent1="accent1" accent2="accent2" accent3="accent3" accent4="accent4" accent5="accent5" accent6="accent6" hlink="hlink" folHlink="folHlink"/>
+  <p:sldLayoutIdLst>
+    <p:sldLayoutId id="2147483663" r:id="rId1"/>
+    <p:sldLayoutId id="2147483664" r:id="rId2"/>
+    <p:sldLayoutId id="2147483665" r:id="rId3"/>
+    <p:sldLayoutId id="2147483666" r:id="rId4"/>
+    <p:sldLayoutId id="2147483667" r:id="rId5"/>
+    <p:sldLayoutId id="2147483668" r:id="rId6"/>
+  </p:sldLayoutIdLst>
+  <p:hf sldNum="0" hdr="0" ftr="0" dt="0"/>
+  <p:txStyles>
+    <p:titleStyle>
+      <a:defPPr marR="0" algn="l" rtl="0">
+        <a:lnSpc>
+          <a:spcPct val="100000"/>
+        </a:lnSpc>
+        <a:spcBef>
+          <a:spcPts val="0"/>
+        </a:spcBef>
+        <a:spcAft>
+          <a:spcPts val="0"/>
+        </a:spcAft>
+      </a:defPPr>
+      <a:lvl1pPr marR="0" algn="l" rtl="0">
+        <a:lnSpc>
+          <a:spcPct val="100000"/>
+        </a:lnSpc>
+        <a:spcBef>
+          <a:spcPts val="0"/>
+        </a:spcBef>
+        <a:spcAft>
+          <a:spcPts val="0"/>
+        </a:spcAft>
+        <a:buNone/>
+        <a:defRPr sz="1400" b="0" i="0" u="none" strike="noStrike" cap="none" baseline="0">
+          <a:solidFill>
+            <a:srgbClr val="000000"/>
+          </a:solidFill>
+          <a:latin typeface="Arial"/>
+          <a:ea typeface="Arial"/>
+          <a:cs typeface="Arial"/>
+          <a:sym typeface="Arial"/>
+          <a:rtl val="0"/>
+        </a:defRPr>
+      </a:lvl1pPr>
+      <a:lvl2pPr marR="0" algn="l" rtl="0">
+        <a:lnSpc>
+          <a:spcPct val="100000"/>
+        </a:lnSpc>
+        <a:spcBef>
+          <a:spcPts val="0"/>
+        </a:spcBef>
+        <a:spcAft>
+          <a:spcPts val="0"/>
+        </a:spcAft>
+        <a:buNone/>
+        <a:defRPr sz="1400" b="0" i="0" u="none" strike="noStrike" cap="none" baseline="0">
+          <a:solidFill>
+            <a:srgbClr val="000000"/>
+          </a:solidFill>
+          <a:latin typeface="Arial"/>
+          <a:ea typeface="Arial"/>
+          <a:cs typeface="Arial"/>
+          <a:sym typeface="Arial"/>
+          <a:rtl val="0"/>
+        </a:defRPr>
+      </a:lvl2pPr>
+    </p:titleStyle>
+    <p:bodyStyle>
+      <a:defPPr marR="0" algn="l" rtl="0">
+        <a:lnSpc>
+          <a:spcPct val="100000"/>
+        </a:lnSpc>
+        <a:spcBef>
+          <a:spcPts val="0"/>
+        </a:spcBef>
+        <a:spcAft>
+          <a:spcPts val="0"/>
+        </a:spcAft>
+      </a:defPPr>
+      <a:lvl1pPr marR="0" algn="l" rtl="0">
+        <a:lnSpc>
+          <a:spcPct val="100000"/>
+        </a:lnSpc>
+        <a:spcBef>
+          <a:spcPts val="0"/>
+        </a:spcBef>
+        <a:spcAft>
+          <a:spcPts val="0"/>
+        </a:spcAft>
+        <a:buNone/>
+        <a:defRPr sz="1400" b="0" i="0" u="none" strike="noStrike" cap="none" baseline="0">
+          <a:solidFill>
+            <a:srgbClr val="000000"/>
+          </a:solidFill>
+          <a:latin typeface="Arial"/>
+          <a:ea typeface="Arial"/>
+          <a:cs typeface="Arial"/>
+          <a:sym typeface="Arial"/>
+          <a:rtl val="0"/>
+        </a:defRPr>
+      </a:lvl1pPr>
+      <a:lvl2pPr marR="0" algn="l" rtl="0">
+        <a:lnSpc>
+          <a:spcPct val="100000"/>
+        </a:lnSpc>
+        <a:spcBef>
+          <a:spcPts val="0"/>
+        </a:spcBef>
+        <a:spcAft>
+          <a:spcPts val="0"/>
+        </a:spcAft>
+        <a:buNone/>
+        <a:defRPr sz="1400" b="0" i="0" u="none" strike="noStrike" cap="none" baseline="0">
+          <a:solidFill>
+            <a:srgbClr val="000000"/>
+          </a:solidFill>
+          <a:latin typeface="Arial"/>
+          <a:ea typeface="Arial"/>
+          <a:cs typeface="Arial"/>
+          <a:sym typeface="Arial"/>
+          <a:rtl val="0"/>
+        </a:defRPr>
+      </a:lvl2pPr>
+      <a:lvl3pPr marR="0" algn="l" rtl="0">
+        <a:lnSpc>
+          <a:spcPct val="100000"/>
+        </a:lnSpc>
+        <a:spcBef>
+          <a:spcPts val="0"/>
+        </a:spcBef>
+        <a:spcAft>
+          <a:spcPts val="0"/>
+        </a:spcAft>
+        <a:buNone/>
+        <a:defRPr sz="1400" b="0" i="0" u="none" strike="noStrike" cap="none" baseline="0">
+          <a:solidFill>
+            <a:srgbClr val="000000"/>
+          </a:solidFill>
+          <a:latin typeface="Arial"/>
+          <a:ea typeface="Arial"/>
+          <a:cs typeface="Arial"/>
+          <a:sym typeface="Arial"/>
+          <a:rtl val="0"/>
+        </a:defRPr>
+      </a:lvl3pPr>
+      <a:lvl4pPr marR="0" algn="l" rtl="0">
+        <a:lnSpc>
+          <a:spcPct val="100000"/>
+        </a:lnSpc>
+        <a:spcBef>
+          <a:spcPts val="0"/>
+        </a:spcBef>
+        <a:spcAft>
+          <a:spcPts val="0"/>
+        </a:spcAft>
+        <a:buNone/>
+        <a:defRPr sz="1400" b="0" i="0" u="none" strike="noStrike" cap="none" baseline="0">
+          <a:solidFill>
+            <a:srgbClr val="000000"/>
+          </a:solidFill>
+          <a:latin typeface="Arial"/>
+          <a:ea typeface="Arial"/>
+          <a:cs typeface="Arial"/>
+          <a:sym typeface="Arial"/>
+          <a:rtl val="0"/>
+        </a:defRPr>
+      </a:lvl4pPr>
+      <a:lvl5pPr marR="0" algn="l" rtl="0">
+        <a:lnSpc>
+          <a:spcPct val="100000"/>
+        </a:lnSpc>
+        <a:spcBef>
+          <a:spcPts val="0"/>
+        </a:spcBef>
+        <a:spcAft>
+          <a:spcPts val="0"/>
+        </a:spcAft>
+        <a:buNone/>
+        <a:defRPr sz="1400" b="0" i="0" u="none" strike="noStrike" cap="none" baseline="0">
+          <a:solidFill>
+            <a:srgbClr val="000000"/>
+          </a:solidFill>
+          <a:latin typeface="Arial"/>
+          <a:ea typeface="Arial"/>
+          <a:cs typeface="Arial"/>
+          <a:sym typeface="Arial"/>
+          <a:rtl val="0"/>
+        </a:defRPr>
+      </a:lvl5pPr>
+      <a:lvl6pPr marR="0" algn="l" rtl="0">
+        <a:lnSpc>
+          <a:spcPct val="100000"/>
+        </a:lnSpc>
+        <a:spcBef>
+          <a:spcPts val="0"/>
+        </a:spcBef>
+        <a:spcAft>
+          <a:spcPts val="0"/>
+        </a:spcAft>
+        <a:buNone/>
+        <a:defRPr sz="1400" b="0" i="0" u="none" strike="noStrike" cap="none" baseline="0">
+          <a:solidFill>
+            <a:srgbClr val="000000"/>
+          </a:solidFill>
+          <a:latin typeface="Arial"/>
+          <a:ea typeface="Arial"/>
+          <a:cs typeface="Arial"/>
+          <a:sym typeface="Arial"/>
+          <a:rtl val="0"/>
+        </a:defRPr>
+      </a:lvl6pPr>
+      <a:lvl7pPr marR="0" algn="l" rtl="0">
+        <a:lnSpc>
+          <a:spcPct val="100000"/>
+        </a:lnSpc>
+        <a:spcBef>
+          <a:spcPts val="0"/>
+        </a:spcBef>
+        <a:spcAft>
+          <a:spcPts val="0"/>
+        </a:spcAft>
+        <a:buNone/>
+        <a:defRPr sz="1400" b="0" i="0" u="none" strike="noStrike" cap="none" baseline="0">
+          <a:solidFill>
+            <a:srgbClr val="000000"/>
+          </a:solidFill>
+          <a:latin typeface="Arial"/>
+          <a:ea typeface="Arial"/>
+          <a:cs typeface="Arial"/>
+          <a:sym typeface="Arial"/>
+          <a:rtl val="0"/>
+        </a:defRPr>
+      </a:lvl7pPr>
+      <a:lvl8pPr marR="0" algn="l" rtl="0">
+        <a:lnSpc>
+          <a:spcPct val="100000"/>
+        </a:lnSpc>
+        <a:spcBef>
+          <a:spcPts val="0"/>
+        </a:spcBef>
+        <a:spcAft>
+          <a:spcPts val="0"/>
+        </a:spcAft>
+        <a:buNone/>
+        <a:defRPr sz="1400" b="0" i="0" u="none" strike="noStrike" cap="none" baseline="0">
+          <a:solidFill>
+            <a:srgbClr val="000000"/>
+          </a:solidFill>
+          <a:latin typeface="Arial"/>
+          <a:ea typeface="Arial"/>
+          <a:cs typeface="Arial"/>
+          <a:sym typeface="Arial"/>
+          <a:rtl val="0"/>
+        </a:defRPr>
+      </a:lvl8pPr>
+      <a:lvl9pPr marR="0" algn="l" rtl="0">
+        <a:lnSpc>
+          <a:spcPct val="100000"/>
+        </a:lnSpc>
+        <a:spcBef>
+          <a:spcPts val="0"/>
+        </a:spcBef>
+        <a:spcAft>
+          <a:spcPts val="0"/>
+        </a:spcAft>
+        <a:buNone/>
+        <a:defRPr sz="1400" b="0" i="0" u="none" strike="noStrike" cap="none" baseline="0">
+          <a:solidFill>
+            <a:srgbClr val="000000"/>
+          </a:solidFill>
+          <a:latin typeface="Arial"/>
+          <a:ea typeface="Arial"/>
+          <a:cs typeface="Arial"/>
+          <a:sym typeface="Arial"/>
+          <a:rtl val="0"/>
+        </a:defRPr>
+      </a:lvl9pPr>
+    </p:bodyStyle>
+    <p:otherStyle>
+      <a:defPPr marR="0" algn="l" rtl="0">
+        <a:lnSpc>
+          <a:spcPct val="100000"/>
+        </a:lnSpc>
+        <a:spcBef>
+          <a:spcPts val="0"/>
+        </a:spcBef>
+        <a:spcAft>
+          <a:spcPts val="0"/>
+        </a:spcAft>
+      </a:defPPr>
+      <a:lvl1pPr marR="0" algn="l" rtl="0">
+        <a:lnSpc>
+          <a:spcPct val="100000"/>
+        </a:lnSpc>
+        <a:spcBef>
+          <a:spcPts val="0"/>
+        </a:spcBef>
+        <a:spcAft>
+          <a:spcPts val="0"/>
+        </a:spcAft>
+        <a:buNone/>
+        <a:defRPr sz="1400" b="0" i="0" u="none" strike="noStrike" cap="none" baseline="0">
+          <a:solidFill>
+            <a:srgbClr val="000000"/>
+          </a:solidFill>
+          <a:latin typeface="Arial"/>
+          <a:ea typeface="Arial"/>
+          <a:cs typeface="Arial"/>
+          <a:sym typeface="Arial"/>
+          <a:rtl val="0"/>
+        </a:defRPr>
+      </a:lvl1pPr>
+      <a:lvl2pPr marR="0" algn="l" rtl="0">
+        <a:lnSpc>
+          <a:spcPct val="100000"/>
+        </a:lnSpc>
+        <a:spcBef>
+          <a:spcPts val="0"/>
+        </a:spcBef>
+        <a:spcAft>
+          <a:spcPts val="0"/>
+        </a:spcAft>
+        <a:buNone/>
+        <a:defRPr sz="1400" b="0" i="0" u="none" strike="noStrike" cap="none" baseline="0">
+          <a:solidFill>
+            <a:srgbClr val="000000"/>
+          </a:solidFill>
+          <a:latin typeface="Arial"/>
+          <a:ea typeface="Arial"/>
+          <a:cs typeface="Arial"/>
+          <a:sym typeface="Arial"/>
+          <a:rtl val="0"/>
+        </a:defRPr>
+      </a:lvl2pPr>
+      <a:lvl3pPr marR="0" algn="l" rtl="0">
+        <a:lnSpc>
+          <a:spcPct val="100000"/>
+        </a:lnSpc>
+        <a:spcBef>
+          <a:spcPts val="0"/>
+        </a:spcBef>
+        <a:spcAft>
+          <a:spcPts val="0"/>
+        </a:spcAft>
+        <a:buNone/>
+        <a:defRPr sz="1400" b="0" i="0" u="none" strike="noStrike" cap="none" baseline="0">
+          <a:solidFill>
+            <a:srgbClr val="000000"/>
+          </a:solidFill>
+          <a:latin typeface="Arial"/>
+          <a:ea typeface="Arial"/>
+          <a:cs typeface="Arial"/>
+          <a:sym typeface="Arial"/>
+          <a:rtl val="0"/>
+        </a:defRPr>
+      </a:lvl3pPr>
+      <a:lvl4pPr marR="0" algn="l" rtl="0">
+        <a:lnSpc>
+          <a:spcPct val="100000"/>
+        </a:lnSpc>
+        <a:spcBef>
+          <a:spcPts val="0"/>
+        </a:spcBef>
+        <a:spcAft>
+          <a:spcPts val="0"/>
+        </a:spcAft>
+        <a:buNone/>
+        <a:defRPr sz="1400" b="0" i="0" u="none" strike="noStrike" cap="none" baseline="0">
+          <a:solidFill>
+            <a:srgbClr val="000000"/>
+          </a:solidFill>
+          <a:latin typeface="Arial"/>
+          <a:ea typeface="Arial"/>
+          <a:cs typeface="Arial"/>
+          <a:sym typeface="Arial"/>
+          <a:rtl val="0"/>
+        </a:defRPr>
+      </a:lvl4pPr>
+      <a:lvl5pPr marR="0" algn="l" rtl="0">
+        <a:lnSpc>
+          <a:spcPct val="100000"/>
+        </a:lnSpc>
+        <a:spcBef>
+          <a:spcPts val="0"/>
+        </a:spcBef>
+        <a:spcAft>
+          <a:spcPts val="0"/>
+        </a:spcAft>
+        <a:buNone/>
+        <a:defRPr sz="1400" b="0" i="0" u="none" strike="noStrike" cap="none" baseline="0">
+          <a:solidFill>
+            <a:srgbClr val="000000"/>
+          </a:solidFill>
+          <a:latin typeface="Arial"/>
+          <a:ea typeface="Arial"/>
+          <a:cs typeface="Arial"/>
+          <a:sym typeface="Arial"/>
+          <a:rtl val="0"/>
+        </a:defRPr>
+      </a:lvl5pPr>
+      <a:lvl6pPr marR="0" algn="l" rtl="0">
+        <a:lnSpc>
+          <a:spcPct val="100000"/>
+        </a:lnSpc>
+        <a:spcBef>
+          <a:spcPts val="0"/>
+        </a:spcBef>
+        <a:spcAft>
+          <a:spcPts val="0"/>
+        </a:spcAft>
+        <a:buNone/>
+        <a:defRPr sz="1400" b="0" i="0" u="none" strike="noStrike" cap="none" baseline="0">
+          <a:solidFill>
+            <a:srgbClr val="000000"/>
+          </a:solidFill>
+          <a:latin typeface="Arial"/>
+          <a:ea typeface="Arial"/>
+          <a:cs typeface="Arial"/>
+          <a:sym typeface="Arial"/>
+          <a:rtl val="0"/>
+        </a:defRPr>
+      </a:lvl6pPr>
+      <a:lvl7pPr marR="0" algn="l" rtl="0">
+        <a:lnSpc>
+          <a:spcPct val="100000"/>
+        </a:lnSpc>
+        <a:spcBef>
+          <a:spcPts val="0"/>
+        </a:spcBef>
+        <a:spcAft>
+          <a:spcPts val="0"/>
+        </a:spcAft>
+        <a:buNone/>
+        <a:defRPr sz="1400" b="0" i="0" u="none" strike="noStrike" cap="none" baseline="0">
+          <a:solidFill>
+            <a:srgbClr val="000000"/>
+          </a:solidFill>
+          <a:latin typeface="Arial"/>
+          <a:ea typeface="Arial"/>
+          <a:cs typeface="Arial"/>
+          <a:sym typeface="Arial"/>
+          <a:rtl val="0"/>
+        </a:defRPr>
+      </a:lvl7pPr>
+      <a:lvl8pPr marR="0" algn="l" rtl="0">
+        <a:lnSpc>
+          <a:spcPct val="100000"/>
+        </a:lnSpc>
+        <a:spcBef>
+          <a:spcPts val="0"/>
+        </a:spcBef>
+        <a:spcAft>
+          <a:spcPts val="0"/>
+        </a:spcAft>
+        <a:buNone/>
+        <a:defRPr sz="1400" b="0" i="0" u="none" strike="noStrike" cap="none" baseline="0">
+          <a:solidFill>
+            <a:srgbClr val="000000"/>
+          </a:solidFill>
+          <a:latin typeface="Arial"/>
+          <a:ea typeface="Arial"/>
+          <a:cs typeface="Arial"/>
+          <a:sym typeface="Arial"/>
+          <a:rtl val="0"/>
+        </a:defRPr>
+      </a:lvl8pPr>
+      <a:lvl9pPr marR="0" algn="l" rtl="0">
+        <a:lnSpc>
+          <a:spcPct val="100000"/>
+        </a:lnSpc>
+        <a:spcBef>
+          <a:spcPts val="0"/>
+        </a:spcBef>
+        <a:spcAft>
+          <a:spcPts val="0"/>
+        </a:spcAft>
+        <a:buNone/>
+        <a:defRPr sz="1400" b="0" i="0" u="none" strike="noStrike" cap="none" baseline="0">
+          <a:solidFill>
+            <a:srgbClr val="000000"/>
+          </a:solidFill>
+          <a:latin typeface="Arial"/>
+          <a:ea typeface="Arial"/>
+          <a:cs typeface="Arial"/>
+          <a:sym typeface="Arial"/>
+          <a:rtl val="0"/>
+        </a:defRPr>
+      </a:lvl9pPr>
+    </p:otherStyle>
+  </p:txStyles>
+</p:sldMaster>
+</file>
+
 <file path=ppt/slides/slide1.xml><?xml version="1.0" encoding="utf-8"?>
 <p:sld xmlns:a="http://schemas.openxmlformats.org/drawingml/2006/main" xmlns:r="http://schemas.openxmlformats.org/officeDocument/2006/relationships" xmlns:p="http://schemas.openxmlformats.org/presentationml/2006/main">
   <p:cSld>
@@ -32226,6 +35080,554 @@
         </p:txBody>
       </p:sp>
     </p:spTree>
+  </p:cSld>
+  <p:clrMapOvr>
+    <a:masterClrMapping/>
+  </p:clrMapOvr>
+  <p:transition spd="slow">
+    <p:cut/>
+  </p:transition>
+</p:sld>
+</file>
+
+<file path=ppt/slides/slide10.xml><?xml version="1.0" encoding="utf-8"?>
+<p:sld xmlns:a="http://schemas.openxmlformats.org/drawingml/2006/main" xmlns:r="http://schemas.openxmlformats.org/officeDocument/2006/relationships" xmlns:p="http://schemas.openxmlformats.org/presentationml/2006/main">
+  <p:cSld>
+    <p:spTree>
+      <p:nvGrpSpPr>
+        <p:cNvPr id="1" name="Shape 41"/>
+        <p:cNvGrpSpPr/>
+        <p:nvPr/>
+      </p:nvGrpSpPr>
+      <p:grpSpPr>
+        <a:xfrm>
+          <a:off x="0" y="0"/>
+          <a:ext cx="0" cy="0"/>
+          <a:chOff x="0" y="0"/>
+          <a:chExt cx="0" cy="0"/>
+        </a:xfrm>
+      </p:grpSpPr>
+      <p:sp>
+        <p:nvSpPr>
+          <p:cNvPr id="42" name="Shape 42"/>
+          <p:cNvSpPr txBox="1">
+            <a:spLocks noGrp="1"/>
+          </p:cNvSpPr>
+          <p:nvPr>
+            <p:ph type="body" idx="1"/>
+          </p:nvPr>
+        </p:nvSpPr>
+        <p:spPr>
+          <a:xfrm>
+            <a:off x="457200" y="177825"/>
+            <a:ext cx="4238100" cy="4748100"/>
+          </a:xfrm>
+          <a:prstGeom prst="rect">
+            <a:avLst/>
+          </a:prstGeom>
+        </p:spPr>
+        <p:txBody>
+          <a:bodyPr lIns="91425" tIns="91425" rIns="91425" bIns="91425" anchor="t" anchorCtr="0">
+            <a:noAutofit/>
+          </a:bodyPr>
+          <a:lstStyle/>
+          <a:p>
+            <a:pPr lvl="0" rtl="0">
+              <a:spcBef>
+                <a:spcPts val="0"/>
+              </a:spcBef>
+              <a:buNone/>
+            </a:pPr>
+            <a:endParaRPr/>
+          </a:p>
+          <a:p>
+            <a:pPr lvl="0" rtl="0">
+              <a:spcBef>
+                <a:spcPts val="0"/>
+              </a:spcBef>
+              <a:buNone/>
+            </a:pPr>
+            <a:endParaRPr/>
+          </a:p>
+          <a:p>
+            <a:pPr lvl="0" rtl="0">
+              <a:spcBef>
+                <a:spcPts val="0"/>
+              </a:spcBef>
+              <a:buNone/>
+            </a:pPr>
+            <a:endParaRPr/>
+          </a:p>
+          <a:p>
+            <a:pPr marL="457200" lvl="0" indent="-419100">
+              <a:spcBef>
+                <a:spcPts val="0"/>
+              </a:spcBef>
+              <a:buClr>
+                <a:schemeClr val="lt1"/>
+              </a:buClr>
+              <a:buSzPct val="100000"/>
+              <a:buFont typeface="Arial"/>
+              <a:buChar char="●"/>
+            </a:pPr>
+            <a:r>
+              <a:rPr lang="en"/>
+              <a:t>Goal is located within walled area</a:t>
+            </a:r>
+          </a:p>
+        </p:txBody>
+      </p:sp>
+      <p:pic>
+        <p:nvPicPr>
+          <p:cNvPr id="43" name="Shape 43"/>
+          <p:cNvPicPr preferRelativeResize="0"/>
+          <p:nvPr/>
+        </p:nvPicPr>
+        <p:blipFill>
+          <a:blip r:embed="rId3">
+            <a:alphaModFix/>
+          </a:blip>
+          <a:stretch>
+            <a:fillRect/>
+          </a:stretch>
+        </p:blipFill>
+        <p:spPr>
+          <a:xfrm>
+            <a:off x="4790150" y="652450"/>
+            <a:ext cx="4063874" cy="4063874"/>
+          </a:xfrm>
+          <a:prstGeom prst="rect">
+            <a:avLst/>
+          </a:prstGeom>
+          <a:noFill/>
+          <a:ln>
+            <a:noFill/>
+          </a:ln>
+        </p:spPr>
+      </p:pic>
+    </p:spTree>
+    <p:extLst>
+      <p:ext uri="{BB962C8B-B14F-4D97-AF65-F5344CB8AC3E}">
+        <p14:creationId xmlns:p14="http://schemas.microsoft.com/office/powerpoint/2010/main" val="3877347023"/>
+      </p:ext>
+    </p:extLst>
+  </p:cSld>
+  <p:clrMapOvr>
+    <a:masterClrMapping/>
+  </p:clrMapOvr>
+  <p:transition spd="slow">
+    <p:cut/>
+  </p:transition>
+</p:sld>
+</file>
+
+<file path=ppt/slides/slide11.xml><?xml version="1.0" encoding="utf-8"?>
+<p:sld xmlns:a="http://schemas.openxmlformats.org/drawingml/2006/main" xmlns:r="http://schemas.openxmlformats.org/officeDocument/2006/relationships" xmlns:p="http://schemas.openxmlformats.org/presentationml/2006/main">
+  <p:cSld>
+    <p:spTree>
+      <p:nvGrpSpPr>
+        <p:cNvPr id="1" name="Shape 47"/>
+        <p:cNvGrpSpPr/>
+        <p:nvPr/>
+      </p:nvGrpSpPr>
+      <p:grpSpPr>
+        <a:xfrm>
+          <a:off x="0" y="0"/>
+          <a:ext cx="0" cy="0"/>
+          <a:chOff x="0" y="0"/>
+          <a:chExt cx="0" cy="0"/>
+        </a:xfrm>
+      </p:grpSpPr>
+      <p:sp>
+        <p:nvSpPr>
+          <p:cNvPr id="48" name="Shape 48"/>
+          <p:cNvSpPr txBox="1">
+            <a:spLocks noGrp="1"/>
+          </p:cNvSpPr>
+          <p:nvPr>
+            <p:ph type="body" idx="1"/>
+          </p:nvPr>
+        </p:nvSpPr>
+        <p:spPr>
+          <a:xfrm>
+            <a:off x="457200" y="671775"/>
+            <a:ext cx="4247699" cy="4254299"/>
+          </a:xfrm>
+          <a:prstGeom prst="rect">
+            <a:avLst/>
+          </a:prstGeom>
+        </p:spPr>
+        <p:txBody>
+          <a:bodyPr lIns="91425" tIns="91425" rIns="91425" bIns="91425" anchor="t" anchorCtr="0">
+            <a:noAutofit/>
+          </a:bodyPr>
+          <a:lstStyle/>
+          <a:p>
+            <a:pPr marL="457200" lvl="0" indent="-419100" rtl="0">
+              <a:spcBef>
+                <a:spcPts val="0"/>
+              </a:spcBef>
+              <a:buClr>
+                <a:schemeClr val="lt1"/>
+              </a:buClr>
+              <a:buSzPct val="100000"/>
+              <a:buFont typeface="Arial"/>
+              <a:buChar char="●"/>
+            </a:pPr>
+            <a:r>
+              <a:rPr lang="en"/>
+              <a:t>Player has plenty of moves to reach the goal</a:t>
+            </a:r>
+          </a:p>
+          <a:p>
+            <a:pPr lvl="0" rtl="0">
+              <a:spcBef>
+                <a:spcPts val="0"/>
+              </a:spcBef>
+              <a:buNone/>
+            </a:pPr>
+            <a:endParaRPr/>
+          </a:p>
+          <a:p>
+            <a:pPr marL="457200" lvl="0" indent="-419100">
+              <a:spcBef>
+                <a:spcPts val="0"/>
+              </a:spcBef>
+              <a:buClr>
+                <a:schemeClr val="lt1"/>
+              </a:buClr>
+              <a:buSzPct val="100000"/>
+              <a:buFont typeface="Arial"/>
+              <a:buChar char="●"/>
+            </a:pPr>
+            <a:r>
+              <a:rPr lang="en"/>
+              <a:t>But the goal fades away before player can possibly reach it</a:t>
+            </a:r>
+          </a:p>
+        </p:txBody>
+      </p:sp>
+      <p:pic>
+        <p:nvPicPr>
+          <p:cNvPr id="49" name="Shape 49"/>
+          <p:cNvPicPr preferRelativeResize="0"/>
+          <p:nvPr/>
+        </p:nvPicPr>
+        <p:blipFill>
+          <a:blip r:embed="rId3">
+            <a:alphaModFix/>
+          </a:blip>
+          <a:stretch>
+            <a:fillRect/>
+          </a:stretch>
+        </p:blipFill>
+        <p:spPr>
+          <a:xfrm>
+            <a:off x="4805800" y="613800"/>
+            <a:ext cx="4183700" cy="4183700"/>
+          </a:xfrm>
+          <a:prstGeom prst="rect">
+            <a:avLst/>
+          </a:prstGeom>
+          <a:noFill/>
+          <a:ln>
+            <a:noFill/>
+          </a:ln>
+        </p:spPr>
+      </p:pic>
+    </p:spTree>
+    <p:extLst>
+      <p:ext uri="{BB962C8B-B14F-4D97-AF65-F5344CB8AC3E}">
+        <p14:creationId xmlns:p14="http://schemas.microsoft.com/office/powerpoint/2010/main" val="1893404810"/>
+      </p:ext>
+    </p:extLst>
+  </p:cSld>
+  <p:clrMapOvr>
+    <a:masterClrMapping/>
+  </p:clrMapOvr>
+  <p:transition spd="slow">
+    <p:cut/>
+  </p:transition>
+</p:sld>
+</file>
+
+<file path=ppt/slides/slide12.xml><?xml version="1.0" encoding="utf-8"?>
+<p:sld xmlns:a="http://schemas.openxmlformats.org/drawingml/2006/main" xmlns:r="http://schemas.openxmlformats.org/officeDocument/2006/relationships" xmlns:p="http://schemas.openxmlformats.org/presentationml/2006/main">
+  <p:cSld>
+    <p:spTree>
+      <p:nvGrpSpPr>
+        <p:cNvPr id="1" name="Shape 53"/>
+        <p:cNvGrpSpPr/>
+        <p:nvPr/>
+      </p:nvGrpSpPr>
+      <p:grpSpPr>
+        <a:xfrm>
+          <a:off x="0" y="0"/>
+          <a:ext cx="0" cy="0"/>
+          <a:chOff x="0" y="0"/>
+          <a:chExt cx="0" cy="0"/>
+        </a:xfrm>
+      </p:grpSpPr>
+      <p:sp>
+        <p:nvSpPr>
+          <p:cNvPr id="54" name="Shape 54"/>
+          <p:cNvSpPr txBox="1">
+            <a:spLocks noGrp="1"/>
+          </p:cNvSpPr>
+          <p:nvPr>
+            <p:ph type="body" idx="1"/>
+          </p:nvPr>
+        </p:nvSpPr>
+        <p:spPr>
+          <a:xfrm>
+            <a:off x="355225" y="555800"/>
+            <a:ext cx="4146600" cy="4350599"/>
+          </a:xfrm>
+          <a:prstGeom prst="rect">
+            <a:avLst/>
+          </a:prstGeom>
+        </p:spPr>
+        <p:txBody>
+          <a:bodyPr lIns="91425" tIns="91425" rIns="91425" bIns="91425" anchor="t" anchorCtr="0">
+            <a:noAutofit/>
+          </a:bodyPr>
+          <a:lstStyle/>
+          <a:p>
+            <a:pPr marL="457200" lvl="0" indent="-419100" rtl="0">
+              <a:spcBef>
+                <a:spcPts val="0"/>
+              </a:spcBef>
+              <a:buClr>
+                <a:schemeClr val="lt1"/>
+              </a:buClr>
+              <a:buSzPct val="100000"/>
+              <a:buFont typeface="Arial"/>
+              <a:buChar char="●"/>
+            </a:pPr>
+            <a:r>
+              <a:rPr lang="en"/>
+              <a:t>The wall fades in, trapping player if within wall boundary</a:t>
+            </a:r>
+          </a:p>
+          <a:p>
+            <a:pPr lvl="0" rtl="0">
+              <a:spcBef>
+                <a:spcPts val="0"/>
+              </a:spcBef>
+              <a:buNone/>
+            </a:pPr>
+            <a:endParaRPr/>
+          </a:p>
+          <a:p>
+            <a:pPr marL="457200" lvl="0" indent="-419100" rtl="0">
+              <a:spcBef>
+                <a:spcPts val="0"/>
+              </a:spcBef>
+              <a:buClr>
+                <a:schemeClr val="lt1"/>
+              </a:buClr>
+              <a:buSzPct val="100000"/>
+              <a:buFont typeface="Arial"/>
+              <a:buChar char="●"/>
+            </a:pPr>
+            <a:r>
+              <a:rPr lang="en"/>
+              <a:t>Player must decide if they wish to wither away while trapped...</a:t>
+            </a:r>
+          </a:p>
+          <a:p>
+            <a:pPr marL="457200" lvl="0" indent="-228600" rtl="0">
+              <a:spcBef>
+                <a:spcPts val="0"/>
+              </a:spcBef>
+              <a:buNone/>
+            </a:pPr>
+            <a:endParaRPr/>
+          </a:p>
+          <a:p>
+            <a:pPr marL="457200" lvl="0" indent="-419100">
+              <a:spcBef>
+                <a:spcPts val="0"/>
+              </a:spcBef>
+              <a:buClr>
+                <a:schemeClr val="lt1"/>
+              </a:buClr>
+              <a:buFont typeface="Arial"/>
+              <a:buChar char="●"/>
+            </a:pPr>
+            <a:endParaRPr/>
+          </a:p>
+        </p:txBody>
+      </p:sp>
+      <p:pic>
+        <p:nvPicPr>
+          <p:cNvPr id="55" name="Shape 55"/>
+          <p:cNvPicPr preferRelativeResize="0"/>
+          <p:nvPr/>
+        </p:nvPicPr>
+        <p:blipFill>
+          <a:blip r:embed="rId3">
+            <a:alphaModFix/>
+          </a:blip>
+          <a:stretch>
+            <a:fillRect/>
+          </a:stretch>
+        </p:blipFill>
+        <p:spPr>
+          <a:xfrm>
+            <a:off x="4656575" y="496250"/>
+            <a:ext cx="4294274" cy="4294274"/>
+          </a:xfrm>
+          <a:prstGeom prst="rect">
+            <a:avLst/>
+          </a:prstGeom>
+          <a:noFill/>
+          <a:ln>
+            <a:noFill/>
+          </a:ln>
+        </p:spPr>
+      </p:pic>
+    </p:spTree>
+    <p:extLst>
+      <p:ext uri="{BB962C8B-B14F-4D97-AF65-F5344CB8AC3E}">
+        <p14:creationId xmlns:p14="http://schemas.microsoft.com/office/powerpoint/2010/main" val="654220704"/>
+      </p:ext>
+    </p:extLst>
+  </p:cSld>
+  <p:clrMapOvr>
+    <a:masterClrMapping/>
+  </p:clrMapOvr>
+  <p:transition spd="slow">
+    <p:cut/>
+  </p:transition>
+</p:sld>
+</file>
+
+<file path=ppt/slides/slide13.xml><?xml version="1.0" encoding="utf-8"?>
+<p:sld xmlns:a="http://schemas.openxmlformats.org/drawingml/2006/main" xmlns:r="http://schemas.openxmlformats.org/officeDocument/2006/relationships" xmlns:p="http://schemas.openxmlformats.org/presentationml/2006/main">
+  <p:cSld>
+    <p:spTree>
+      <p:nvGrpSpPr>
+        <p:cNvPr id="1" name="Shape 59"/>
+        <p:cNvGrpSpPr/>
+        <p:nvPr/>
+      </p:nvGrpSpPr>
+      <p:grpSpPr>
+        <a:xfrm>
+          <a:off x="0" y="0"/>
+          <a:ext cx="0" cy="0"/>
+          <a:chOff x="0" y="0"/>
+          <a:chExt cx="0" cy="0"/>
+        </a:xfrm>
+      </p:grpSpPr>
+      <p:sp>
+        <p:nvSpPr>
+          <p:cNvPr id="60" name="Shape 60"/>
+          <p:cNvSpPr txBox="1">
+            <a:spLocks noGrp="1"/>
+          </p:cNvSpPr>
+          <p:nvPr>
+            <p:ph type="body" idx="1"/>
+          </p:nvPr>
+        </p:nvSpPr>
+        <p:spPr>
+          <a:xfrm>
+            <a:off x="457200" y="246475"/>
+            <a:ext cx="3880499" cy="4679400"/>
+          </a:xfrm>
+          <a:prstGeom prst="rect">
+            <a:avLst/>
+          </a:prstGeom>
+        </p:spPr>
+        <p:txBody>
+          <a:bodyPr lIns="91425" tIns="91425" rIns="91425" bIns="91425" anchor="t" anchorCtr="0">
+            <a:noAutofit/>
+          </a:bodyPr>
+          <a:lstStyle/>
+          <a:p>
+            <a:pPr rtl="0">
+              <a:spcBef>
+                <a:spcPts val="0"/>
+              </a:spcBef>
+              <a:buNone/>
+            </a:pPr>
+            <a:endParaRPr/>
+          </a:p>
+          <a:p>
+            <a:pPr rtl="0">
+              <a:spcBef>
+                <a:spcPts val="0"/>
+              </a:spcBef>
+              <a:buNone/>
+            </a:pPr>
+            <a:endParaRPr/>
+          </a:p>
+          <a:p>
+            <a:pPr rtl="0">
+              <a:spcBef>
+                <a:spcPts val="0"/>
+              </a:spcBef>
+              <a:buNone/>
+            </a:pPr>
+            <a:endParaRPr/>
+          </a:p>
+          <a:p>
+            <a:pPr rtl="0">
+              <a:spcBef>
+                <a:spcPts val="0"/>
+              </a:spcBef>
+              <a:buNone/>
+            </a:pPr>
+            <a:endParaRPr/>
+          </a:p>
+          <a:p>
+            <a:pPr marL="457200" lvl="0" indent="457200">
+              <a:spcBef>
+                <a:spcPts val="0"/>
+              </a:spcBef>
+              <a:buNone/>
+            </a:pPr>
+            <a:r>
+              <a:rPr lang="en"/>
+              <a:t>or free</a:t>
+            </a:r>
+          </a:p>
+        </p:txBody>
+      </p:sp>
+      <p:pic>
+        <p:nvPicPr>
+          <p:cNvPr id="61" name="Shape 61"/>
+          <p:cNvPicPr preferRelativeResize="0"/>
+          <p:nvPr/>
+        </p:nvPicPr>
+        <p:blipFill>
+          <a:blip r:embed="rId3">
+            <a:alphaModFix/>
+          </a:blip>
+          <a:stretch>
+            <a:fillRect/>
+          </a:stretch>
+        </p:blipFill>
+        <p:spPr>
+          <a:xfrm>
+            <a:off x="4337700" y="303725"/>
+            <a:ext cx="4564900" cy="4564900"/>
+          </a:xfrm>
+          <a:prstGeom prst="rect">
+            <a:avLst/>
+          </a:prstGeom>
+          <a:noFill/>
+          <a:ln>
+            <a:noFill/>
+          </a:ln>
+        </p:spPr>
+      </p:pic>
+    </p:spTree>
+    <p:extLst>
+      <p:ext uri="{BB962C8B-B14F-4D97-AF65-F5344CB8AC3E}">
+        <p14:creationId xmlns:p14="http://schemas.microsoft.com/office/powerpoint/2010/main" val="834132751"/>
+      </p:ext>
+    </p:extLst>
   </p:cSld>
   <p:clrMapOvr>
     <a:masterClrMapping/>
@@ -33070,6 +36472,246 @@
 </p:sld>
 </file>
 
+<file path=ppt/slides/slide8.xml><?xml version="1.0" encoding="utf-8"?>
+<p:sld xmlns:a="http://schemas.openxmlformats.org/drawingml/2006/main" xmlns:r="http://schemas.openxmlformats.org/officeDocument/2006/relationships" xmlns:p="http://schemas.openxmlformats.org/presentationml/2006/main">
+  <p:cSld>
+    <p:spTree>
+      <p:nvGrpSpPr>
+        <p:cNvPr id="1" name="Shape 29"/>
+        <p:cNvGrpSpPr/>
+        <p:nvPr/>
+      </p:nvGrpSpPr>
+      <p:grpSpPr>
+        <a:xfrm>
+          <a:off x="0" y="0"/>
+          <a:ext cx="0" cy="0"/>
+          <a:chOff x="0" y="0"/>
+          <a:chExt cx="0" cy="0"/>
+        </a:xfrm>
+      </p:grpSpPr>
+      <p:sp>
+        <p:nvSpPr>
+          <p:cNvPr id="30" name="Shape 30"/>
+          <p:cNvSpPr txBox="1">
+            <a:spLocks noGrp="1"/>
+          </p:cNvSpPr>
+          <p:nvPr>
+            <p:ph type="ctrTitle"/>
+          </p:nvPr>
+        </p:nvSpPr>
+        <p:spPr>
+          <a:xfrm>
+            <a:off x="685800" y="1583342"/>
+            <a:ext cx="7772400" cy="1159856"/>
+          </a:xfrm>
+          <a:prstGeom prst="rect">
+            <a:avLst/>
+          </a:prstGeom>
+        </p:spPr>
+        <p:txBody>
+          <a:bodyPr lIns="91425" tIns="91425" rIns="91425" bIns="91425" anchor="b" anchorCtr="0">
+            <a:noAutofit/>
+          </a:bodyPr>
+          <a:lstStyle/>
+          <a:p>
+            <a:pPr>
+              <a:spcBef>
+                <a:spcPts val="0"/>
+              </a:spcBef>
+              <a:buNone/>
+            </a:pPr>
+            <a:r>
+              <a:rPr lang="en"/>
+              <a:t>Whither</a:t>
+            </a:r>
+          </a:p>
+        </p:txBody>
+      </p:sp>
+      <p:sp>
+        <p:nvSpPr>
+          <p:cNvPr id="31" name="Shape 31"/>
+          <p:cNvSpPr txBox="1">
+            <a:spLocks noGrp="1"/>
+          </p:cNvSpPr>
+          <p:nvPr>
+            <p:ph type="subTitle" idx="1"/>
+          </p:nvPr>
+        </p:nvSpPr>
+        <p:spPr>
+          <a:xfrm>
+            <a:off x="685800" y="2840053"/>
+            <a:ext cx="7772400" cy="784737"/>
+          </a:xfrm>
+          <a:prstGeom prst="rect">
+            <a:avLst/>
+          </a:prstGeom>
+        </p:spPr>
+        <p:txBody>
+          <a:bodyPr lIns="91425" tIns="91425" rIns="91425" bIns="91425" anchor="t" anchorCtr="0">
+            <a:noAutofit/>
+          </a:bodyPr>
+          <a:lstStyle/>
+          <a:p>
+            <a:pPr>
+              <a:spcBef>
+                <a:spcPts val="0"/>
+              </a:spcBef>
+              <a:buNone/>
+            </a:pPr>
+            <a:r>
+              <a:rPr lang="en"/>
+              <a:t>Freedom Ending</a:t>
+            </a:r>
+          </a:p>
+        </p:txBody>
+      </p:sp>
+    </p:spTree>
+    <p:extLst>
+      <p:ext uri="{BB962C8B-B14F-4D97-AF65-F5344CB8AC3E}">
+        <p14:creationId xmlns:p14="http://schemas.microsoft.com/office/powerpoint/2010/main" val="158889224"/>
+      </p:ext>
+    </p:extLst>
+  </p:cSld>
+  <p:clrMapOvr>
+    <a:masterClrMapping/>
+  </p:clrMapOvr>
+  <p:transition spd="slow">
+    <p:cut/>
+  </p:transition>
+</p:sld>
+</file>
+
+<file path=ppt/slides/slide9.xml><?xml version="1.0" encoding="utf-8"?>
+<p:sld xmlns:a="http://schemas.openxmlformats.org/drawingml/2006/main" xmlns:r="http://schemas.openxmlformats.org/officeDocument/2006/relationships" xmlns:p="http://schemas.openxmlformats.org/presentationml/2006/main">
+  <p:cSld>
+    <p:spTree>
+      <p:nvGrpSpPr>
+        <p:cNvPr id="1" name="Shape 35"/>
+        <p:cNvGrpSpPr/>
+        <p:nvPr/>
+      </p:nvGrpSpPr>
+      <p:grpSpPr>
+        <a:xfrm>
+          <a:off x="0" y="0"/>
+          <a:ext cx="0" cy="0"/>
+          <a:chOff x="0" y="0"/>
+          <a:chExt cx="0" cy="0"/>
+        </a:xfrm>
+      </p:grpSpPr>
+      <p:sp>
+        <p:nvSpPr>
+          <p:cNvPr id="36" name="Shape 36"/>
+          <p:cNvSpPr txBox="1">
+            <a:spLocks noGrp="1"/>
+          </p:cNvSpPr>
+          <p:nvPr>
+            <p:ph type="title"/>
+          </p:nvPr>
+        </p:nvSpPr>
+        <p:spPr>
+          <a:xfrm>
+            <a:off x="457200" y="205978"/>
+            <a:ext cx="8229600" cy="857400"/>
+          </a:xfrm>
+          <a:prstGeom prst="rect">
+            <a:avLst/>
+          </a:prstGeom>
+        </p:spPr>
+        <p:txBody>
+          <a:bodyPr lIns="91425" tIns="91425" rIns="91425" bIns="91425" anchor="b" anchorCtr="0">
+            <a:noAutofit/>
+          </a:bodyPr>
+          <a:lstStyle/>
+          <a:p>
+            <a:pPr>
+              <a:spcBef>
+                <a:spcPts val="0"/>
+              </a:spcBef>
+              <a:buNone/>
+            </a:pPr>
+            <a:r>
+              <a:rPr lang="en"/>
+              <a:t>New Emotions</a:t>
+            </a:r>
+          </a:p>
+        </p:txBody>
+      </p:sp>
+      <p:sp>
+        <p:nvSpPr>
+          <p:cNvPr id="37" name="Shape 37"/>
+          <p:cNvSpPr txBox="1">
+            <a:spLocks noGrp="1"/>
+          </p:cNvSpPr>
+          <p:nvPr>
+            <p:ph type="body" idx="1"/>
+          </p:nvPr>
+        </p:nvSpPr>
+        <p:spPr>
+          <a:xfrm>
+            <a:off x="457200" y="1200150"/>
+            <a:ext cx="8229600" cy="3725699"/>
+          </a:xfrm>
+          <a:prstGeom prst="rect">
+            <a:avLst/>
+          </a:prstGeom>
+        </p:spPr>
+        <p:txBody>
+          <a:bodyPr lIns="91425" tIns="91425" rIns="91425" bIns="91425" anchor="t" anchorCtr="0">
+            <a:noAutofit/>
+          </a:bodyPr>
+          <a:lstStyle/>
+          <a:p>
+            <a:pPr marL="457200" lvl="0" indent="-419100" rtl="0">
+              <a:spcBef>
+                <a:spcPts val="0"/>
+              </a:spcBef>
+              <a:buClr>
+                <a:schemeClr val="lt1"/>
+              </a:buClr>
+              <a:buSzPct val="100000"/>
+              <a:buFont typeface="Arial"/>
+              <a:buChar char="●"/>
+            </a:pPr>
+            <a:r>
+              <a:rPr lang="en"/>
+              <a:t>Freedom</a:t>
+            </a:r>
+          </a:p>
+          <a:p>
+            <a:pPr marL="457200" lvl="0" indent="-419100">
+              <a:spcBef>
+                <a:spcPts val="0"/>
+              </a:spcBef>
+              <a:buClr>
+                <a:schemeClr val="lt1"/>
+              </a:buClr>
+              <a:buSzPct val="100000"/>
+              <a:buFont typeface="Arial"/>
+              <a:buChar char="●"/>
+            </a:pPr>
+            <a:r>
+              <a:rPr lang="en"/>
+              <a:t>Hope</a:t>
+            </a:r>
+          </a:p>
+        </p:txBody>
+      </p:sp>
+    </p:spTree>
+    <p:extLst>
+      <p:ext uri="{BB962C8B-B14F-4D97-AF65-F5344CB8AC3E}">
+        <p14:creationId xmlns:p14="http://schemas.microsoft.com/office/powerpoint/2010/main" val="2302810509"/>
+      </p:ext>
+    </p:extLst>
+  </p:cSld>
+  <p:clrMapOvr>
+    <a:masterClrMapping/>
+  </p:clrMapOvr>
+  <p:transition spd="slow">
+    <p:cut/>
+  </p:transition>
+</p:sld>
+</file>
+
 <file path=ppt/theme/theme1.xml><?xml version="1.0" encoding="utf-8"?>
 <a:theme xmlns:a="http://schemas.openxmlformats.org/drawingml/2006/main" name="dark-gradient">
   <a:themeElements>
@@ -33629,6 +37271,285 @@
 </file>
 
 <file path=ppt/theme/theme3.xml><?xml version="1.0" encoding="utf-8"?>
+<a:theme xmlns:a="http://schemas.openxmlformats.org/drawingml/2006/main" name="1_dark-gradient">
+  <a:themeElements>
+    <a:clrScheme name="Custom 346">
+      <a:dk1>
+        <a:srgbClr val="000000"/>
+      </a:dk1>
+      <a:lt1>
+        <a:srgbClr val="FFFFFF"/>
+      </a:lt1>
+      <a:dk2>
+        <a:srgbClr val="4C4C4C"/>
+      </a:dk2>
+      <a:lt2>
+        <a:srgbClr val="CCCCCC"/>
+      </a:lt2>
+      <a:accent1>
+        <a:srgbClr val="89B4B8"/>
+      </a:accent1>
+      <a:accent2>
+        <a:srgbClr val="AFA6CA"/>
+      </a:accent2>
+      <a:accent3>
+        <a:srgbClr val="A5B492"/>
+      </a:accent3>
+      <a:accent4>
+        <a:srgbClr val="E8CD6D"/>
+      </a:accent4>
+      <a:accent5>
+        <a:srgbClr val="F4A447"/>
+      </a:accent5>
+      <a:accent6>
+        <a:srgbClr val="D09D94"/>
+      </a:accent6>
+      <a:hlink>
+        <a:srgbClr val="5EA7AA"/>
+      </a:hlink>
+      <a:folHlink>
+        <a:srgbClr val="A295BE"/>
+      </a:folHlink>
+    </a:clrScheme>
+    <a:fontScheme name="Office">
+      <a:majorFont>
+        <a:latin typeface="Arial"/>
+        <a:ea typeface=""/>
+        <a:cs typeface=""/>
+        <a:font script="Jpan" typeface="ＭＳ Ｐゴシック"/>
+        <a:font script="Hang" typeface="맑은 고딕"/>
+        <a:font script="Hans" typeface="宋体"/>
+        <a:font script="Hant" typeface="新細明體"/>
+        <a:font script="Arab" typeface="Times New Roman"/>
+        <a:font script="Hebr" typeface="Times New Roman"/>
+        <a:font script="Thai" typeface="Angsana New"/>
+        <a:font script="Ethi" typeface="Nyala"/>
+        <a:font script="Beng" typeface="Vrinda"/>
+        <a:font script="Gujr" typeface="Shruti"/>
+        <a:font script="Khmr" typeface="MoolBoran"/>
+        <a:font script="Knda" typeface="Tunga"/>
+        <a:font script="Guru" typeface="Raavi"/>
+        <a:font script="Cans" typeface="Euphemia"/>
+        <a:font script="Cher" typeface="Plantagenet Cherokee"/>
+        <a:font script="Yiii" typeface="Microsoft Yi Baiti"/>
+        <a:font script="Tibt" typeface="Microsoft Himalaya"/>
+        <a:font script="Thaa" typeface="MV Boli"/>
+        <a:font script="Deva" typeface="Mangal"/>
+        <a:font script="Telu" typeface="Gautami"/>
+        <a:font script="Taml" typeface="Latha"/>
+        <a:font script="Syrc" typeface="Estrangelo Edessa"/>
+        <a:font script="Orya" typeface="Kalinga"/>
+        <a:font script="Mlym" typeface="Kartika"/>
+        <a:font script="Laoo" typeface="DokChampa"/>
+        <a:font script="Sinh" typeface="Iskoola Pota"/>
+        <a:font script="Mong" typeface="Mongolian Baiti"/>
+        <a:font script="Viet" typeface="Times New Roman"/>
+        <a:font script="Uigh" typeface="Microsoft Uighur"/>
+      </a:majorFont>
+      <a:minorFont>
+        <a:latin typeface="Arial"/>
+        <a:ea typeface=""/>
+        <a:cs typeface=""/>
+        <a:font script="Jpan" typeface="ＭＳ Ｐゴシック"/>
+        <a:font script="Hang" typeface="맑은 고딕"/>
+        <a:font script="Hans" typeface="宋体"/>
+        <a:font script="Hant" typeface="新細明體"/>
+        <a:font script="Arab" typeface="Times New Roman"/>
+        <a:font script="Hebr" typeface="Times New Roman"/>
+        <a:font script="Thai" typeface="Angsana New"/>
+        <a:font script="Ethi" typeface="Nyala"/>
+        <a:font script="Beng" typeface="Vrinda"/>
+        <a:font script="Gujr" typeface="Shruti"/>
+        <a:font script="Khmr" typeface="MoolBoran"/>
+        <a:font script="Knda" typeface="Tunga"/>
+        <a:font script="Guru" typeface="Raavi"/>
+        <a:font script="Cans" typeface="Euphemia"/>
+        <a:font script="Cher" typeface="Plantagenet Cherokee"/>
+        <a:font script="Yiii" typeface="Microsoft Yi Baiti"/>
+        <a:font script="Tibt" typeface="Microsoft Himalaya"/>
+        <a:font script="Thaa" typeface="MV Boli"/>
+        <a:font script="Deva" typeface="Mangal"/>
+        <a:font script="Telu" typeface="Gautami"/>
+        <a:font script="Taml" typeface="Latha"/>
+        <a:font script="Syrc" typeface="Estrangelo Edessa"/>
+        <a:font script="Orya" typeface="Kalinga"/>
+        <a:font script="Mlym" typeface="Kartika"/>
+        <a:font script="Laoo" typeface="DokChampa"/>
+        <a:font script="Sinh" typeface="Iskoola Pota"/>
+        <a:font script="Mong" typeface="Mongolian Baiti"/>
+        <a:font script="Viet" typeface="Times New Roman"/>
+        <a:font script="Uigh" typeface="Microsoft Uighur"/>
+      </a:minorFont>
+    </a:fontScheme>
+    <a:fmtScheme name="Office">
+      <a:fillStyleLst>
+        <a:solidFill>
+          <a:schemeClr val="phClr"/>
+        </a:solidFill>
+        <a:gradFill rotWithShape="1">
+          <a:gsLst>
+            <a:gs pos="0">
+              <a:schemeClr val="phClr">
+                <a:tint val="50000"/>
+                <a:satMod val="300000"/>
+              </a:schemeClr>
+            </a:gs>
+            <a:gs pos="35000">
+              <a:schemeClr val="phClr">
+                <a:tint val="37000"/>
+                <a:satMod val="300000"/>
+              </a:schemeClr>
+            </a:gs>
+            <a:gs pos="100000">
+              <a:schemeClr val="phClr">
+                <a:tint val="15000"/>
+                <a:satMod val="350000"/>
+              </a:schemeClr>
+            </a:gs>
+          </a:gsLst>
+          <a:lin ang="16200000" scaled="1"/>
+        </a:gradFill>
+        <a:gradFill rotWithShape="1">
+          <a:gsLst>
+            <a:gs pos="0">
+              <a:schemeClr val="phClr">
+                <a:tint val="100000"/>
+                <a:shade val="100000"/>
+                <a:satMod val="130000"/>
+              </a:schemeClr>
+            </a:gs>
+            <a:gs pos="100000">
+              <a:schemeClr val="phClr">
+                <a:tint val="50000"/>
+                <a:shade val="100000"/>
+                <a:satMod val="350000"/>
+              </a:schemeClr>
+            </a:gs>
+          </a:gsLst>
+          <a:lin ang="16200000" scaled="0"/>
+        </a:gradFill>
+      </a:fillStyleLst>
+      <a:lnStyleLst>
+        <a:ln w="9525" cap="flat" cmpd="sng" algn="ctr">
+          <a:solidFill>
+            <a:schemeClr val="phClr">
+              <a:shade val="95000"/>
+              <a:satMod val="105000"/>
+            </a:schemeClr>
+          </a:solidFill>
+          <a:prstDash val="solid"/>
+        </a:ln>
+        <a:ln w="25400" cap="flat" cmpd="sng" algn="ctr">
+          <a:solidFill>
+            <a:schemeClr val="phClr"/>
+          </a:solidFill>
+          <a:prstDash val="solid"/>
+        </a:ln>
+        <a:ln w="38100" cap="flat" cmpd="sng" algn="ctr">
+          <a:solidFill>
+            <a:schemeClr val="phClr"/>
+          </a:solidFill>
+          <a:prstDash val="solid"/>
+        </a:ln>
+      </a:lnStyleLst>
+      <a:effectStyleLst>
+        <a:effectStyle>
+          <a:effectLst>
+            <a:outerShdw blurRad="40000" dist="20000" dir="5400000" rotWithShape="0">
+              <a:srgbClr val="000000">
+                <a:alpha val="38000"/>
+              </a:srgbClr>
+            </a:outerShdw>
+          </a:effectLst>
+        </a:effectStyle>
+        <a:effectStyle>
+          <a:effectLst>
+            <a:outerShdw blurRad="40000" dist="23000" dir="5400000" rotWithShape="0">
+              <a:srgbClr val="000000">
+                <a:alpha val="35000"/>
+              </a:srgbClr>
+            </a:outerShdw>
+          </a:effectLst>
+        </a:effectStyle>
+        <a:effectStyle>
+          <a:effectLst>
+            <a:outerShdw blurRad="40000" dist="23000" dir="5400000" rotWithShape="0">
+              <a:srgbClr val="000000">
+                <a:alpha val="35000"/>
+              </a:srgbClr>
+            </a:outerShdw>
+          </a:effectLst>
+          <a:scene3d>
+            <a:camera prst="orthographicFront">
+              <a:rot lat="0" lon="0" rev="0"/>
+            </a:camera>
+            <a:lightRig rig="threePt" dir="t">
+              <a:rot lat="0" lon="0" rev="1200000"/>
+            </a:lightRig>
+          </a:scene3d>
+          <a:sp3d>
+            <a:bevelT w="63500" h="25400"/>
+          </a:sp3d>
+        </a:effectStyle>
+      </a:effectStyleLst>
+      <a:bgFillStyleLst>
+        <a:solidFill>
+          <a:schemeClr val="phClr"/>
+        </a:solidFill>
+        <a:gradFill rotWithShape="1">
+          <a:gsLst>
+            <a:gs pos="0">
+              <a:schemeClr val="phClr">
+                <a:tint val="40000"/>
+                <a:satMod val="350000"/>
+              </a:schemeClr>
+            </a:gs>
+            <a:gs pos="40000">
+              <a:schemeClr val="phClr">
+                <a:tint val="45000"/>
+                <a:shade val="99000"/>
+                <a:satMod val="350000"/>
+              </a:schemeClr>
+            </a:gs>
+            <a:gs pos="100000">
+              <a:schemeClr val="phClr">
+                <a:shade val="20000"/>
+                <a:satMod val="255000"/>
+              </a:schemeClr>
+            </a:gs>
+          </a:gsLst>
+          <a:path path="circle">
+            <a:fillToRect l="50000" t="-80000" r="50000" b="180000"/>
+          </a:path>
+        </a:gradFill>
+        <a:gradFill rotWithShape="1">
+          <a:gsLst>
+            <a:gs pos="0">
+              <a:schemeClr val="phClr">
+                <a:tint val="80000"/>
+                <a:satMod val="300000"/>
+              </a:schemeClr>
+            </a:gs>
+            <a:gs pos="100000">
+              <a:schemeClr val="phClr">
+                <a:shade val="30000"/>
+                <a:satMod val="200000"/>
+              </a:schemeClr>
+            </a:gs>
+          </a:gsLst>
+          <a:path path="circle">
+            <a:fillToRect l="50000" t="50000" r="50000" b="50000"/>
+          </a:path>
+        </a:gradFill>
+      </a:bgFillStyleLst>
+    </a:fmtScheme>
+  </a:themeElements>
+  <a:objectDefaults/>
+  <a:extraClrSchemeLst/>
+</a:theme>
+</file>
+
+<file path=ppt/theme/theme4.xml><?xml version="1.0" encoding="utf-8"?>
 <a:theme xmlns:a="http://schemas.openxmlformats.org/drawingml/2006/main" name="Custom Theme">
   <a:themeElements>
     <a:clrScheme name="Default">
